--- a/s17/SQLPresentation.pptx
+++ b/s17/SQLPresentation.pptx
@@ -25,16 +25,21 @@
     <p:sldId id="270" r:id="rId19"/>
     <p:sldId id="271" r:id="rId20"/>
     <p:sldId id="272" r:id="rId21"/>
+    <p:sldId id="273" r:id="rId22"/>
+    <p:sldId id="274" r:id="rId23"/>
+    <p:sldId id="275" r:id="rId24"/>
+    <p:sldId id="276" r:id="rId25"/>
+    <p:sldId id="277" r:id="rId26"/>
   </p:sldIdLst>
   <p:sldSz cy="5143500" cx="9144000"/>
   <p:notesSz cx="6858000" cy="9144000"/>
   <p:embeddedFontLst>
     <p:embeddedFont>
       <p:font typeface="Roboto"/>
-      <p:regular r:id="rId22"/>
-      <p:bold r:id="rId23"/>
-      <p:italic r:id="rId24"/>
-      <p:boldItalic r:id="rId25"/>
+      <p:regular r:id="rId27"/>
+      <p:bold r:id="rId28"/>
+      <p:italic r:id="rId29"/>
+      <p:boldItalic r:id="rId30"/>
     </p:embeddedFont>
   </p:embeddedFontLst>
   <p:defaultTextStyle>
@@ -520,7 +525,7 @@
   <p:cSld>
     <p:spTree>
       <p:nvGrpSpPr>
-        <p:cNvPr id="136" name="Shape 136"/>
+        <p:cNvPr id="135" name="Shape 135"/>
         <p:cNvGrpSpPr/>
         <p:nvPr/>
       </p:nvGrpSpPr>
@@ -534,7 +539,7 @@
       </p:grpSpPr>
       <p:sp>
         <p:nvSpPr>
-          <p:cNvPr id="137" name="Shape 137"/>
+          <p:cNvPr id="136" name="Shape 136"/>
           <p:cNvSpPr/>
           <p:nvPr>
             <p:ph idx="2" type="sldImg"/>
@@ -568,7 +573,7 @@
       </p:sp>
       <p:sp>
         <p:nvSpPr>
-          <p:cNvPr id="138" name="Shape 138"/>
+          <p:cNvPr id="137" name="Shape 137"/>
           <p:cNvSpPr txBox="1"/>
           <p:nvPr>
             <p:ph idx="1" type="body"/>
@@ -615,7 +620,7 @@
   <p:cSld>
     <p:spTree>
       <p:nvGrpSpPr>
-        <p:cNvPr id="142" name="Shape 142"/>
+        <p:cNvPr id="141" name="Shape 141"/>
         <p:cNvGrpSpPr/>
         <p:nvPr/>
       </p:nvGrpSpPr>
@@ -629,7 +634,7 @@
       </p:grpSpPr>
       <p:sp>
         <p:nvSpPr>
-          <p:cNvPr id="143" name="Shape 143"/>
+          <p:cNvPr id="142" name="Shape 142"/>
           <p:cNvSpPr/>
           <p:nvPr>
             <p:ph idx="2" type="sldImg"/>
@@ -663,7 +668,7 @@
       </p:sp>
       <p:sp>
         <p:nvSpPr>
-          <p:cNvPr id="144" name="Shape 144"/>
+          <p:cNvPr id="143" name="Shape 143"/>
           <p:cNvSpPr txBox="1"/>
           <p:nvPr>
             <p:ph idx="1" type="body"/>
@@ -691,9 +696,9 @@
               <a:buNone/>
             </a:pPr>
             <a:r>
-              <a:t/>
-            </a:r>
-            <a:endParaRPr/>
+              <a:rPr lang="en"/>
+              <a:t>Winner’s player_fk property refers to the player ID inside of the player table, and game_fk relates to the Game table’s ID_game property. What does fk stand for? Foreign key</a:t>
+            </a:r>
           </a:p>
         </p:txBody>
       </p:sp>
@@ -1090,7 +1095,7 @@
   <p:cSld>
     <p:spTree>
       <p:nvGrpSpPr>
-        <p:cNvPr id="173" name="Shape 173"/>
+        <p:cNvPr id="172" name="Shape 172"/>
         <p:cNvGrpSpPr/>
         <p:nvPr/>
       </p:nvGrpSpPr>
@@ -1104,7 +1109,7 @@
       </p:grpSpPr>
       <p:sp>
         <p:nvSpPr>
-          <p:cNvPr id="174" name="Shape 174"/>
+          <p:cNvPr id="173" name="Shape 173"/>
           <p:cNvSpPr/>
           <p:nvPr>
             <p:ph idx="2" type="sldImg"/>
@@ -1138,7 +1143,7 @@
       </p:sp>
       <p:sp>
         <p:nvSpPr>
-          <p:cNvPr id="175" name="Shape 175"/>
+          <p:cNvPr id="174" name="Shape 174"/>
           <p:cNvSpPr txBox="1"/>
           <p:nvPr>
             <p:ph idx="1" type="body"/>
@@ -1185,7 +1190,7 @@
   <p:cSld>
     <p:spTree>
       <p:nvGrpSpPr>
-        <p:cNvPr id="179" name="Shape 179"/>
+        <p:cNvPr id="178" name="Shape 178"/>
         <p:cNvGrpSpPr/>
         <p:nvPr/>
       </p:nvGrpSpPr>
@@ -1199,7 +1204,7 @@
       </p:grpSpPr>
       <p:sp>
         <p:nvSpPr>
-          <p:cNvPr id="180" name="Shape 180"/>
+          <p:cNvPr id="179" name="Shape 179"/>
           <p:cNvSpPr/>
           <p:nvPr>
             <p:ph idx="2" type="sldImg"/>
@@ -1233,7 +1238,197 @@
       </p:sp>
       <p:sp>
         <p:nvSpPr>
-          <p:cNvPr id="181" name="Shape 181"/>
+          <p:cNvPr id="180" name="Shape 180"/>
+          <p:cNvSpPr txBox="1"/>
+          <p:nvPr>
+            <p:ph idx="1" type="body"/>
+          </p:nvPr>
+        </p:nvSpPr>
+        <p:spPr>
+          <a:xfrm>
+            <a:off x="685800" y="4343400"/>
+            <a:ext cx="5486400" cy="4114800"/>
+          </a:xfrm>
+          <a:prstGeom prst="rect">
+            <a:avLst/>
+          </a:prstGeom>
+        </p:spPr>
+        <p:txBody>
+          <a:bodyPr anchorCtr="0" anchor="t" bIns="91425" lIns="91425" rIns="91425" tIns="91425">
+            <a:noAutofit/>
+          </a:bodyPr>
+          <a:lstStyle/>
+          <a:p>
+            <a:pPr lvl="0">
+              <a:spcBef>
+                <a:spcPts val="0"/>
+              </a:spcBef>
+              <a:buNone/>
+            </a:pPr>
+            <a:r>
+              <a:t/>
+            </a:r>
+            <a:endParaRPr/>
+          </a:p>
+        </p:txBody>
+      </p:sp>
+    </p:spTree>
+  </p:cSld>
+  <p:clrMapOvr>
+    <a:masterClrMapping/>
+  </p:clrMapOvr>
+</p:notes>
+</file>
+
+<file path=ppt/notesSlides/notesSlide18.xml><?xml version="1.0" encoding="utf-8"?>
+<p:notes xmlns:a="http://schemas.openxmlformats.org/drawingml/2006/main" xmlns:r="http://schemas.openxmlformats.org/officeDocument/2006/relationships" xmlns:mc="http://schemas.openxmlformats.org/markup-compatibility/2006" xmlns:mv="urn:schemas-microsoft-com:mac:vml" xmlns:p="http://schemas.openxmlformats.org/presentationml/2006/main" xmlns:c="http://schemas.openxmlformats.org/drawingml/2006/chart" xmlns:dgm="http://schemas.openxmlformats.org/drawingml/2006/diagram" xmlns:o="urn:schemas-microsoft-com:office:office" xmlns:v="urn:schemas-microsoft-com:vml" xmlns:pvml="urn:schemas-microsoft-com:office:powerpoint" xmlns:com="http://schemas.openxmlformats.org/drawingml/2006/compatibility" xmlns:p14="http://schemas.microsoft.com/office/powerpoint/2010/main" showMasterPhAnim="0" showMasterSp="0">
+  <p:cSld>
+    <p:spTree>
+      <p:nvGrpSpPr>
+        <p:cNvPr id="184" name="Shape 184"/>
+        <p:cNvGrpSpPr/>
+        <p:nvPr/>
+      </p:nvGrpSpPr>
+      <p:grpSpPr>
+        <a:xfrm>
+          <a:off x="0" y="0"/>
+          <a:ext cx="0" cy="0"/>
+          <a:chOff x="0" y="0"/>
+          <a:chExt cx="0" cy="0"/>
+        </a:xfrm>
+      </p:grpSpPr>
+      <p:sp>
+        <p:nvSpPr>
+          <p:cNvPr id="185" name="Shape 185"/>
+          <p:cNvSpPr/>
+          <p:nvPr>
+            <p:ph idx="2" type="sldImg"/>
+          </p:nvPr>
+        </p:nvSpPr>
+        <p:spPr>
+          <a:xfrm>
+            <a:off x="381300" y="685800"/>
+            <a:ext cx="6096000" cy="3429000"/>
+          </a:xfrm>
+          <a:custGeom>
+            <a:pathLst>
+              <a:path extrusionOk="0" h="120000" w="120000">
+                <a:moveTo>
+                  <a:pt x="0" y="0"/>
+                </a:moveTo>
+                <a:lnTo>
+                  <a:pt x="120000" y="0"/>
+                </a:lnTo>
+                <a:lnTo>
+                  <a:pt x="120000" y="120000"/>
+                </a:lnTo>
+                <a:lnTo>
+                  <a:pt x="0" y="120000"/>
+                </a:lnTo>
+                <a:close/>
+              </a:path>
+            </a:pathLst>
+          </a:custGeom>
+        </p:spPr>
+      </p:sp>
+      <p:sp>
+        <p:nvSpPr>
+          <p:cNvPr id="186" name="Shape 186"/>
+          <p:cNvSpPr txBox="1"/>
+          <p:nvPr>
+            <p:ph idx="1" type="body"/>
+          </p:nvPr>
+        </p:nvSpPr>
+        <p:spPr>
+          <a:xfrm>
+            <a:off x="685800" y="4343400"/>
+            <a:ext cx="5486400" cy="4114800"/>
+          </a:xfrm>
+          <a:prstGeom prst="rect">
+            <a:avLst/>
+          </a:prstGeom>
+        </p:spPr>
+        <p:txBody>
+          <a:bodyPr anchorCtr="0" anchor="t" bIns="91425" lIns="91425" rIns="91425" tIns="91425">
+            <a:noAutofit/>
+          </a:bodyPr>
+          <a:lstStyle/>
+          <a:p>
+            <a:pPr lvl="0">
+              <a:spcBef>
+                <a:spcPts val="0"/>
+              </a:spcBef>
+              <a:buNone/>
+            </a:pPr>
+            <a:r>
+              <a:t/>
+            </a:r>
+            <a:endParaRPr/>
+          </a:p>
+        </p:txBody>
+      </p:sp>
+    </p:spTree>
+  </p:cSld>
+  <p:clrMapOvr>
+    <a:masterClrMapping/>
+  </p:clrMapOvr>
+</p:notes>
+</file>
+
+<file path=ppt/notesSlides/notesSlide19.xml><?xml version="1.0" encoding="utf-8"?>
+<p:notes xmlns:a="http://schemas.openxmlformats.org/drawingml/2006/main" xmlns:r="http://schemas.openxmlformats.org/officeDocument/2006/relationships" xmlns:mc="http://schemas.openxmlformats.org/markup-compatibility/2006" xmlns:mv="urn:schemas-microsoft-com:mac:vml" xmlns:p="http://schemas.openxmlformats.org/presentationml/2006/main" xmlns:c="http://schemas.openxmlformats.org/drawingml/2006/chart" xmlns:dgm="http://schemas.openxmlformats.org/drawingml/2006/diagram" xmlns:o="urn:schemas-microsoft-com:office:office" xmlns:v="urn:schemas-microsoft-com:vml" xmlns:pvml="urn:schemas-microsoft-com:office:powerpoint" xmlns:com="http://schemas.openxmlformats.org/drawingml/2006/compatibility" xmlns:p14="http://schemas.microsoft.com/office/powerpoint/2010/main" showMasterPhAnim="0" showMasterSp="0">
+  <p:cSld>
+    <p:spTree>
+      <p:nvGrpSpPr>
+        <p:cNvPr id="191" name="Shape 191"/>
+        <p:cNvGrpSpPr/>
+        <p:nvPr/>
+      </p:nvGrpSpPr>
+      <p:grpSpPr>
+        <a:xfrm>
+          <a:off x="0" y="0"/>
+          <a:ext cx="0" cy="0"/>
+          <a:chOff x="0" y="0"/>
+          <a:chExt cx="0" cy="0"/>
+        </a:xfrm>
+      </p:grpSpPr>
+      <p:sp>
+        <p:nvSpPr>
+          <p:cNvPr id="192" name="Shape 192"/>
+          <p:cNvSpPr/>
+          <p:nvPr>
+            <p:ph idx="2" type="sldImg"/>
+          </p:nvPr>
+        </p:nvSpPr>
+        <p:spPr>
+          <a:xfrm>
+            <a:off x="381300" y="685800"/>
+            <a:ext cx="6096000" cy="3429000"/>
+          </a:xfrm>
+          <a:custGeom>
+            <a:pathLst>
+              <a:path extrusionOk="0" h="120000" w="120000">
+                <a:moveTo>
+                  <a:pt x="0" y="0"/>
+                </a:moveTo>
+                <a:lnTo>
+                  <a:pt x="120000" y="0"/>
+                </a:lnTo>
+                <a:lnTo>
+                  <a:pt x="120000" y="120000"/>
+                </a:lnTo>
+                <a:lnTo>
+                  <a:pt x="0" y="120000"/>
+                </a:lnTo>
+                <a:close/>
+              </a:path>
+            </a:pathLst>
+          </a:custGeom>
+        </p:spPr>
+      </p:sp>
+      <p:sp>
+        <p:nvSpPr>
+          <p:cNvPr id="193" name="Shape 193"/>
           <p:cNvSpPr txBox="1"/>
           <p:nvPr>
             <p:ph idx="1" type="body"/>
@@ -1370,6 +1565,291 @@
 </p:notes>
 </file>
 
+<file path=ppt/notesSlides/notesSlide20.xml><?xml version="1.0" encoding="utf-8"?>
+<p:notes xmlns:a="http://schemas.openxmlformats.org/drawingml/2006/main" xmlns:r="http://schemas.openxmlformats.org/officeDocument/2006/relationships" xmlns:mc="http://schemas.openxmlformats.org/markup-compatibility/2006" xmlns:mv="urn:schemas-microsoft-com:mac:vml" xmlns:p="http://schemas.openxmlformats.org/presentationml/2006/main" xmlns:c="http://schemas.openxmlformats.org/drawingml/2006/chart" xmlns:dgm="http://schemas.openxmlformats.org/drawingml/2006/diagram" xmlns:o="urn:schemas-microsoft-com:office:office" xmlns:v="urn:schemas-microsoft-com:vml" xmlns:pvml="urn:schemas-microsoft-com:office:powerpoint" xmlns:com="http://schemas.openxmlformats.org/drawingml/2006/compatibility" xmlns:p14="http://schemas.microsoft.com/office/powerpoint/2010/main" showMasterPhAnim="0" showMasterSp="0">
+  <p:cSld>
+    <p:spTree>
+      <p:nvGrpSpPr>
+        <p:cNvPr id="197" name="Shape 197"/>
+        <p:cNvGrpSpPr/>
+        <p:nvPr/>
+      </p:nvGrpSpPr>
+      <p:grpSpPr>
+        <a:xfrm>
+          <a:off x="0" y="0"/>
+          <a:ext cx="0" cy="0"/>
+          <a:chOff x="0" y="0"/>
+          <a:chExt cx="0" cy="0"/>
+        </a:xfrm>
+      </p:grpSpPr>
+      <p:sp>
+        <p:nvSpPr>
+          <p:cNvPr id="198" name="Shape 198"/>
+          <p:cNvSpPr/>
+          <p:nvPr>
+            <p:ph idx="2" type="sldImg"/>
+          </p:nvPr>
+        </p:nvSpPr>
+        <p:spPr>
+          <a:xfrm>
+            <a:off x="381300" y="685800"/>
+            <a:ext cx="6096000" cy="3429000"/>
+          </a:xfrm>
+          <a:custGeom>
+            <a:pathLst>
+              <a:path extrusionOk="0" h="120000" w="120000">
+                <a:moveTo>
+                  <a:pt x="0" y="0"/>
+                </a:moveTo>
+                <a:lnTo>
+                  <a:pt x="120000" y="0"/>
+                </a:lnTo>
+                <a:lnTo>
+                  <a:pt x="120000" y="120000"/>
+                </a:lnTo>
+                <a:lnTo>
+                  <a:pt x="0" y="120000"/>
+                </a:lnTo>
+                <a:close/>
+              </a:path>
+            </a:pathLst>
+          </a:custGeom>
+        </p:spPr>
+      </p:sp>
+      <p:sp>
+        <p:nvSpPr>
+          <p:cNvPr id="199" name="Shape 199"/>
+          <p:cNvSpPr txBox="1"/>
+          <p:nvPr>
+            <p:ph idx="1" type="body"/>
+          </p:nvPr>
+        </p:nvSpPr>
+        <p:spPr>
+          <a:xfrm>
+            <a:off x="685800" y="4343400"/>
+            <a:ext cx="5486400" cy="4114800"/>
+          </a:xfrm>
+          <a:prstGeom prst="rect">
+            <a:avLst/>
+          </a:prstGeom>
+        </p:spPr>
+        <p:txBody>
+          <a:bodyPr anchorCtr="0" anchor="t" bIns="91425" lIns="91425" rIns="91425" tIns="91425">
+            <a:noAutofit/>
+          </a:bodyPr>
+          <a:lstStyle/>
+          <a:p>
+            <a:pPr lvl="0">
+              <a:spcBef>
+                <a:spcPts val="0"/>
+              </a:spcBef>
+              <a:buNone/>
+            </a:pPr>
+            <a:r>
+              <a:t/>
+            </a:r>
+            <a:endParaRPr/>
+          </a:p>
+        </p:txBody>
+      </p:sp>
+    </p:spTree>
+  </p:cSld>
+  <p:clrMapOvr>
+    <a:masterClrMapping/>
+  </p:clrMapOvr>
+</p:notes>
+</file>
+
+<file path=ppt/notesSlides/notesSlide21.xml><?xml version="1.0" encoding="utf-8"?>
+<p:notes xmlns:a="http://schemas.openxmlformats.org/drawingml/2006/main" xmlns:r="http://schemas.openxmlformats.org/officeDocument/2006/relationships" xmlns:mc="http://schemas.openxmlformats.org/markup-compatibility/2006" xmlns:mv="urn:schemas-microsoft-com:mac:vml" xmlns:p="http://schemas.openxmlformats.org/presentationml/2006/main" xmlns:c="http://schemas.openxmlformats.org/drawingml/2006/chart" xmlns:dgm="http://schemas.openxmlformats.org/drawingml/2006/diagram" xmlns:o="urn:schemas-microsoft-com:office:office" xmlns:v="urn:schemas-microsoft-com:vml" xmlns:pvml="urn:schemas-microsoft-com:office:powerpoint" xmlns:com="http://schemas.openxmlformats.org/drawingml/2006/compatibility" xmlns:p14="http://schemas.microsoft.com/office/powerpoint/2010/main" showMasterPhAnim="0" showMasterSp="0">
+  <p:cSld>
+    <p:spTree>
+      <p:nvGrpSpPr>
+        <p:cNvPr id="203" name="Shape 203"/>
+        <p:cNvGrpSpPr/>
+        <p:nvPr/>
+      </p:nvGrpSpPr>
+      <p:grpSpPr>
+        <a:xfrm>
+          <a:off x="0" y="0"/>
+          <a:ext cx="0" cy="0"/>
+          <a:chOff x="0" y="0"/>
+          <a:chExt cx="0" cy="0"/>
+        </a:xfrm>
+      </p:grpSpPr>
+      <p:sp>
+        <p:nvSpPr>
+          <p:cNvPr id="204" name="Shape 204"/>
+          <p:cNvSpPr/>
+          <p:nvPr>
+            <p:ph idx="2" type="sldImg"/>
+          </p:nvPr>
+        </p:nvSpPr>
+        <p:spPr>
+          <a:xfrm>
+            <a:off x="381300" y="685800"/>
+            <a:ext cx="6096000" cy="3429000"/>
+          </a:xfrm>
+          <a:custGeom>
+            <a:pathLst>
+              <a:path extrusionOk="0" h="120000" w="120000">
+                <a:moveTo>
+                  <a:pt x="0" y="0"/>
+                </a:moveTo>
+                <a:lnTo>
+                  <a:pt x="120000" y="0"/>
+                </a:lnTo>
+                <a:lnTo>
+                  <a:pt x="120000" y="120000"/>
+                </a:lnTo>
+                <a:lnTo>
+                  <a:pt x="0" y="120000"/>
+                </a:lnTo>
+                <a:close/>
+              </a:path>
+            </a:pathLst>
+          </a:custGeom>
+        </p:spPr>
+      </p:sp>
+      <p:sp>
+        <p:nvSpPr>
+          <p:cNvPr id="205" name="Shape 205"/>
+          <p:cNvSpPr txBox="1"/>
+          <p:nvPr>
+            <p:ph idx="1" type="body"/>
+          </p:nvPr>
+        </p:nvSpPr>
+        <p:spPr>
+          <a:xfrm>
+            <a:off x="685800" y="4343400"/>
+            <a:ext cx="5486400" cy="4114800"/>
+          </a:xfrm>
+          <a:prstGeom prst="rect">
+            <a:avLst/>
+          </a:prstGeom>
+        </p:spPr>
+        <p:txBody>
+          <a:bodyPr anchorCtr="0" anchor="t" bIns="91425" lIns="91425" rIns="91425" tIns="91425">
+            <a:noAutofit/>
+          </a:bodyPr>
+          <a:lstStyle/>
+          <a:p>
+            <a:pPr lvl="0">
+              <a:spcBef>
+                <a:spcPts val="0"/>
+              </a:spcBef>
+              <a:buNone/>
+            </a:pPr>
+            <a:r>
+              <a:t/>
+            </a:r>
+            <a:endParaRPr/>
+          </a:p>
+        </p:txBody>
+      </p:sp>
+    </p:spTree>
+  </p:cSld>
+  <p:clrMapOvr>
+    <a:masterClrMapping/>
+  </p:clrMapOvr>
+</p:notes>
+</file>
+
+<file path=ppt/notesSlides/notesSlide22.xml><?xml version="1.0" encoding="utf-8"?>
+<p:notes xmlns:a="http://schemas.openxmlformats.org/drawingml/2006/main" xmlns:r="http://schemas.openxmlformats.org/officeDocument/2006/relationships" xmlns:mc="http://schemas.openxmlformats.org/markup-compatibility/2006" xmlns:mv="urn:schemas-microsoft-com:mac:vml" xmlns:p="http://schemas.openxmlformats.org/presentationml/2006/main" xmlns:c="http://schemas.openxmlformats.org/drawingml/2006/chart" xmlns:dgm="http://schemas.openxmlformats.org/drawingml/2006/diagram" xmlns:o="urn:schemas-microsoft-com:office:office" xmlns:v="urn:schemas-microsoft-com:vml" xmlns:pvml="urn:schemas-microsoft-com:office:powerpoint" xmlns:com="http://schemas.openxmlformats.org/drawingml/2006/compatibility" xmlns:p14="http://schemas.microsoft.com/office/powerpoint/2010/main" showMasterPhAnim="0" showMasterSp="0">
+  <p:cSld>
+    <p:spTree>
+      <p:nvGrpSpPr>
+        <p:cNvPr id="209" name="Shape 209"/>
+        <p:cNvGrpSpPr/>
+        <p:nvPr/>
+      </p:nvGrpSpPr>
+      <p:grpSpPr>
+        <a:xfrm>
+          <a:off x="0" y="0"/>
+          <a:ext cx="0" cy="0"/>
+          <a:chOff x="0" y="0"/>
+          <a:chExt cx="0" cy="0"/>
+        </a:xfrm>
+      </p:grpSpPr>
+      <p:sp>
+        <p:nvSpPr>
+          <p:cNvPr id="210" name="Shape 210"/>
+          <p:cNvSpPr/>
+          <p:nvPr>
+            <p:ph idx="2" type="sldImg"/>
+          </p:nvPr>
+        </p:nvSpPr>
+        <p:spPr>
+          <a:xfrm>
+            <a:off x="381300" y="685800"/>
+            <a:ext cx="6096000" cy="3429000"/>
+          </a:xfrm>
+          <a:custGeom>
+            <a:pathLst>
+              <a:path extrusionOk="0" h="120000" w="120000">
+                <a:moveTo>
+                  <a:pt x="0" y="0"/>
+                </a:moveTo>
+                <a:lnTo>
+                  <a:pt x="120000" y="0"/>
+                </a:lnTo>
+                <a:lnTo>
+                  <a:pt x="120000" y="120000"/>
+                </a:lnTo>
+                <a:lnTo>
+                  <a:pt x="0" y="120000"/>
+                </a:lnTo>
+                <a:close/>
+              </a:path>
+            </a:pathLst>
+          </a:custGeom>
+        </p:spPr>
+      </p:sp>
+      <p:sp>
+        <p:nvSpPr>
+          <p:cNvPr id="211" name="Shape 211"/>
+          <p:cNvSpPr txBox="1"/>
+          <p:nvPr>
+            <p:ph idx="1" type="body"/>
+          </p:nvPr>
+        </p:nvSpPr>
+        <p:spPr>
+          <a:xfrm>
+            <a:off x="685800" y="4343400"/>
+            <a:ext cx="5486400" cy="4114800"/>
+          </a:xfrm>
+          <a:prstGeom prst="rect">
+            <a:avLst/>
+          </a:prstGeom>
+        </p:spPr>
+        <p:txBody>
+          <a:bodyPr anchorCtr="0" anchor="t" bIns="91425" lIns="91425" rIns="91425" tIns="91425">
+            <a:noAutofit/>
+          </a:bodyPr>
+          <a:lstStyle/>
+          <a:p>
+            <a:pPr lvl="0">
+              <a:spcBef>
+                <a:spcPts val="0"/>
+              </a:spcBef>
+              <a:buNone/>
+            </a:pPr>
+            <a:r>
+              <a:t/>
+            </a:r>
+            <a:endParaRPr/>
+          </a:p>
+        </p:txBody>
+      </p:sp>
+    </p:spTree>
+  </p:cSld>
+  <p:clrMapOvr>
+    <a:masterClrMapping/>
+  </p:clrMapOvr>
+</p:notes>
+</file>
+
 <file path=ppt/notesSlides/notesSlide3.xml><?xml version="1.0" encoding="utf-8"?>
 <p:notes xmlns:a="http://schemas.openxmlformats.org/drawingml/2006/main" xmlns:r="http://schemas.openxmlformats.org/officeDocument/2006/relationships" xmlns:mc="http://schemas.openxmlformats.org/markup-compatibility/2006" xmlns:mv="urn:schemas-microsoft-com:mac:vml" xmlns:p="http://schemas.openxmlformats.org/presentationml/2006/main" xmlns:c="http://schemas.openxmlformats.org/drawingml/2006/chart" xmlns:dgm="http://schemas.openxmlformats.org/drawingml/2006/diagram" xmlns:o="urn:schemas-microsoft-com:office:office" xmlns:v="urn:schemas-microsoft-com:vml" xmlns:pvml="urn:schemas-microsoft-com:office:powerpoint" xmlns:com="http://schemas.openxmlformats.org/drawingml/2006/compatibility" xmlns:p14="http://schemas.microsoft.com/office/powerpoint/2010/main" showMasterPhAnim="0" showMasterSp="0">
   <p:cSld>
@@ -1641,9 +2121,9 @@
               <a:buNone/>
             </a:pPr>
             <a:r>
-              <a:rPr lang="en"/>
-              <a:t>Median salary for a position athat requires sql knowledge is 81,632$</a:t>
-            </a:r>
+              <a:t/>
+            </a:r>
+            <a:endParaRPr/>
           </a:p>
         </p:txBody>
       </p:sp>
@@ -1831,9 +2311,9 @@
               <a:buNone/>
             </a:pPr>
             <a:r>
-              <a:rPr lang="en"/>
-              <a:t>Winner’s player_fk property refers to the player ID inside of the player table, and game_fk relates to the Game table’s ID_game property. What does fk stand for? Foreign key</a:t>
-            </a:r>
+              <a:t/>
+            </a:r>
+            <a:endParaRPr/>
           </a:p>
         </p:txBody>
       </p:sp>
@@ -1850,7 +2330,7 @@
   <p:cSld>
     <p:spTree>
       <p:nvGrpSpPr>
-        <p:cNvPr id="124" name="Shape 124"/>
+        <p:cNvPr id="123" name="Shape 123"/>
         <p:cNvGrpSpPr/>
         <p:nvPr/>
       </p:nvGrpSpPr>
@@ -1864,7 +2344,7 @@
       </p:grpSpPr>
       <p:sp>
         <p:nvSpPr>
-          <p:cNvPr id="125" name="Shape 125"/>
+          <p:cNvPr id="124" name="Shape 124"/>
           <p:cNvSpPr/>
           <p:nvPr>
             <p:ph idx="2" type="sldImg"/>
@@ -1898,7 +2378,7 @@
       </p:sp>
       <p:sp>
         <p:nvSpPr>
-          <p:cNvPr id="126" name="Shape 126"/>
+          <p:cNvPr id="125" name="Shape 125"/>
           <p:cNvSpPr txBox="1"/>
           <p:nvPr>
             <p:ph idx="1" type="body"/>
@@ -1945,7 +2425,7 @@
   <p:cSld>
     <p:spTree>
       <p:nvGrpSpPr>
-        <p:cNvPr id="130" name="Shape 130"/>
+        <p:cNvPr id="129" name="Shape 129"/>
         <p:cNvGrpSpPr/>
         <p:nvPr/>
       </p:nvGrpSpPr>
@@ -1959,7 +2439,7 @@
       </p:grpSpPr>
       <p:sp>
         <p:nvSpPr>
-          <p:cNvPr id="131" name="Shape 131"/>
+          <p:cNvPr id="130" name="Shape 130"/>
           <p:cNvSpPr/>
           <p:nvPr>
             <p:ph idx="2" type="sldImg"/>
@@ -1993,7 +2473,7 @@
       </p:sp>
       <p:sp>
         <p:nvSpPr>
-          <p:cNvPr id="132" name="Shape 132"/>
+          <p:cNvPr id="131" name="Shape 131"/>
           <p:cNvSpPr txBox="1"/>
           <p:nvPr>
             <p:ph idx="1" type="body"/>
@@ -2021,9 +2501,9 @@
               <a:buNone/>
             </a:pPr>
             <a:r>
-              <a:t/>
-            </a:r>
-            <a:endParaRPr/>
+              <a:rPr lang="en"/>
+              <a:t>Median salary for a position athat requires sql knowledge is 81,632$</a:t>
+            </a:r>
           </a:p>
         </p:txBody>
       </p:sp>
@@ -7023,7 +7503,7 @@
   <p:cSld>
     <p:spTree>
       <p:nvGrpSpPr>
-        <p:cNvPr id="139" name="Shape 139"/>
+        <p:cNvPr id="138" name="Shape 138"/>
         <p:cNvGrpSpPr/>
         <p:nvPr/>
       </p:nvGrpSpPr>
@@ -7037,7 +7517,7 @@
       </p:grpSpPr>
       <p:sp>
         <p:nvSpPr>
-          <p:cNvPr id="140" name="Shape 140"/>
+          <p:cNvPr id="139" name="Shape 139"/>
           <p:cNvSpPr txBox="1"/>
           <p:nvPr>
             <p:ph type="title"/>
@@ -7066,14 +7546,14 @@
             </a:pPr>
             <a:r>
               <a:rPr lang="en"/>
-              <a:t>General View Commands</a:t>
+              <a:t>Other Uses		</a:t>
             </a:r>
           </a:p>
         </p:txBody>
       </p:sp>
       <p:sp>
         <p:nvSpPr>
-          <p:cNvPr id="141" name="Shape 141"/>
+          <p:cNvPr id="140" name="Shape 140"/>
           <p:cNvSpPr txBox="1"/>
           <p:nvPr>
             <p:ph idx="1" type="body"/>
@@ -7100,12 +7580,8 @@
               </a:spcBef>
             </a:pPr>
             <a:r>
-              <a:rPr b="1" lang="en"/>
-              <a:t>USE </a:t>
-            </a:r>
-            <a:r>
-              <a:rPr lang="en"/>
-              <a:t>&lt;database name&gt;</a:t>
+              <a:rPr lang="en"/>
+              <a:t>Can intergrate with:</a:t>
             </a:r>
           </a:p>
           <a:p>
@@ -7116,7 +7592,51 @@
             </a:pPr>
             <a:r>
               <a:rPr lang="en"/>
-              <a:t>Selects database to work within</a:t>
+              <a:t>C#</a:t>
+            </a:r>
+          </a:p>
+          <a:p>
+            <a:pPr indent="-228600" lvl="1" marL="914400" rtl="0">
+              <a:spcBef>
+                <a:spcPts val="0"/>
+              </a:spcBef>
+            </a:pPr>
+            <a:r>
+              <a:rPr lang="en"/>
+              <a:t>PHP</a:t>
+            </a:r>
+          </a:p>
+          <a:p>
+            <a:pPr indent="-228600" lvl="1" marL="914400" rtl="0">
+              <a:spcBef>
+                <a:spcPts val="0"/>
+              </a:spcBef>
+            </a:pPr>
+            <a:r>
+              <a:rPr lang="en"/>
+              <a:t>Java</a:t>
+            </a:r>
+          </a:p>
+          <a:p>
+            <a:pPr indent="-228600" lvl="1" marL="914400" rtl="0">
+              <a:spcBef>
+                <a:spcPts val="0"/>
+              </a:spcBef>
+            </a:pPr>
+            <a:r>
+              <a:rPr lang="en"/>
+              <a:t>C++</a:t>
+            </a:r>
+          </a:p>
+          <a:p>
+            <a:pPr indent="-228600" lvl="1" marL="914400" rtl="0">
+              <a:spcBef>
+                <a:spcPts val="0"/>
+              </a:spcBef>
+            </a:pPr>
+            <a:r>
+              <a:rPr lang="en"/>
+              <a:t>Python</a:t>
             </a:r>
           </a:p>
           <a:p>
@@ -7126,80 +7646,8 @@
               </a:spcBef>
             </a:pPr>
             <a:r>
-              <a:rPr b="1" lang="en"/>
-              <a:t>SHOW </a:t>
-            </a:r>
-            <a:r>
-              <a:rPr lang="en"/>
-              <a:t>DATABASES</a:t>
-            </a:r>
-          </a:p>
-          <a:p>
-            <a:pPr indent="-228600" lvl="1" marL="914400" rtl="0">
-              <a:spcBef>
-                <a:spcPts val="0"/>
-              </a:spcBef>
-            </a:pPr>
-            <a:r>
-              <a:rPr lang="en"/>
-              <a:t>Lists databases available</a:t>
-            </a:r>
-          </a:p>
-          <a:p>
-            <a:pPr indent="-228600" lvl="0" marL="457200" rtl="0">
-              <a:spcBef>
-                <a:spcPts val="0"/>
-              </a:spcBef>
-            </a:pPr>
-            <a:r>
-              <a:rPr b="1" lang="en"/>
-              <a:t>SHOW </a:t>
-            </a:r>
-            <a:r>
-              <a:rPr lang="en"/>
-              <a:t>TABLES </a:t>
-            </a:r>
-          </a:p>
-          <a:p>
-            <a:pPr indent="-228600" lvl="1" marL="914400" rtl="0">
-              <a:spcBef>
-                <a:spcPts val="0"/>
-              </a:spcBef>
-            </a:pPr>
-            <a:r>
-              <a:rPr lang="en"/>
-              <a:t>Shows tables in the current database</a:t>
-            </a:r>
-          </a:p>
-          <a:p>
-            <a:pPr indent="-228600" lvl="0" marL="457200" rtl="0">
-              <a:spcBef>
-                <a:spcPts val="0"/>
-              </a:spcBef>
-            </a:pPr>
-            <a:r>
-              <a:rPr b="1" lang="en"/>
-              <a:t>SHOW </a:t>
-            </a:r>
-            <a:r>
-              <a:rPr lang="en"/>
-              <a:t>COLUMNS FROM </a:t>
-            </a:r>
-            <a:r>
-              <a:rPr lang="en" sz="1700"/>
-              <a:t>&lt;tablename&gt;</a:t>
-            </a:r>
-          </a:p>
-          <a:p>
-            <a:pPr indent="-336550" lvl="1" marL="914400" rtl="0">
-              <a:spcBef>
-                <a:spcPts val="0"/>
-              </a:spcBef>
-              <a:buSzPct val="100000"/>
-            </a:pPr>
-            <a:r>
-              <a:rPr lang="en" sz="1700"/>
-              <a:t>Ex: SHOW COLUMNS FROM STUDENTS would probably return “Name, ID, GPA”)</a:t>
+              <a:rPr lang="en"/>
+              <a:t>Popular in Model-View-Presenter/Model-View-Controller Applications in conjuction with AJAX+JavaScript</a:t>
             </a:r>
           </a:p>
         </p:txBody>
@@ -7217,7 +7665,7 @@
   <p:cSld>
     <p:spTree>
       <p:nvGrpSpPr>
-        <p:cNvPr id="145" name="Shape 145"/>
+        <p:cNvPr id="144" name="Shape 144"/>
         <p:cNvGrpSpPr/>
         <p:nvPr/>
       </p:nvGrpSpPr>
@@ -7231,7 +7679,7 @@
       </p:grpSpPr>
       <p:sp>
         <p:nvSpPr>
-          <p:cNvPr id="146" name="Shape 146"/>
+          <p:cNvPr id="145" name="Shape 145"/>
           <p:cNvSpPr txBox="1"/>
           <p:nvPr>
             <p:ph type="title"/>
@@ -7260,26 +7708,14 @@
             </a:pPr>
             <a:r>
               <a:rPr lang="en"/>
-              <a:t>Creating and Using Databases/Tables		</a:t>
-            </a:r>
-          </a:p>
-          <a:p>
-            <a:pPr lvl="0">
-              <a:spcBef>
-                <a:spcPts val="0"/>
-              </a:spcBef>
-              <a:buNone/>
-            </a:pPr>
-            <a:r>
-              <a:rPr lang="en"/>
-              <a:t>	</a:t>
+              <a:t>Relational Database Management System</a:t>
             </a:r>
           </a:p>
         </p:txBody>
       </p:sp>
       <p:sp>
         <p:nvSpPr>
-          <p:cNvPr id="147" name="Shape 147"/>
+          <p:cNvPr id="146" name="Shape 146"/>
           <p:cNvSpPr txBox="1"/>
           <p:nvPr>
             <p:ph idx="1" type="body"/>
@@ -7300,128 +7736,47 @@
           </a:bodyPr>
           <a:lstStyle/>
           <a:p>
-            <a:pPr indent="-228600" lvl="0" marL="457200">
-              <a:spcBef>
-                <a:spcPts val="0"/>
-              </a:spcBef>
-            </a:pPr>
-            <a:r>
-              <a:rPr lang="en"/>
-              <a:t>CREATE DATABASE &lt;Name&gt;;</a:t>
-            </a:r>
-          </a:p>
-          <a:p>
-            <a:pPr indent="-228600" lvl="1" marL="914400" rtl="0">
-              <a:spcBef>
-                <a:spcPts val="0"/>
-              </a:spcBef>
-            </a:pPr>
-            <a:r>
-              <a:rPr lang="en"/>
-              <a:t>You can check to see if it exists already by saying “IF NOT EXISTS” as well</a:t>
-            </a:r>
-          </a:p>
-          <a:p>
-            <a:pPr indent="-228600" lvl="0" marL="457200" rtl="0">
-              <a:spcBef>
-                <a:spcPts val="0"/>
-              </a:spcBef>
-            </a:pPr>
-            <a:r>
-              <a:rPr lang="en"/>
-              <a:t>DROP DATABASE &lt;Name&gt;;</a:t>
-            </a:r>
-          </a:p>
-          <a:p>
-            <a:pPr indent="-228600" lvl="1" marL="914400" rtl="0">
-              <a:spcBef>
-                <a:spcPts val="0"/>
-              </a:spcBef>
-            </a:pPr>
-            <a:r>
-              <a:rPr lang="en"/>
-              <a:t>Deletes database</a:t>
-            </a:r>
-          </a:p>
-          <a:p>
-            <a:pPr indent="-228600" lvl="0" marL="457200" rtl="0">
-              <a:spcBef>
-                <a:spcPts val="0"/>
-              </a:spcBef>
-            </a:pPr>
-            <a:r>
-              <a:rPr lang="en"/>
-              <a:t>USE &lt;name&gt;;</a:t>
-            </a:r>
-          </a:p>
-          <a:p>
-            <a:pPr indent="-228600" lvl="1" marL="914400" rtl="0">
-              <a:spcBef>
-                <a:spcPts val="0"/>
-              </a:spcBef>
-            </a:pPr>
-            <a:r>
-              <a:rPr lang="en"/>
-              <a:t>Selects database to use</a:t>
-            </a:r>
-          </a:p>
-          <a:p>
-            <a:pPr indent="-228600" lvl="0" marL="457200" rtl="0">
-              <a:spcBef>
-                <a:spcPts val="0"/>
-              </a:spcBef>
-            </a:pPr>
-            <a:r>
-              <a:rPr lang="en"/>
-              <a:t>CREATE TABLE &lt;Name&gt; (</a:t>
-            </a:r>
-          </a:p>
-          <a:p>
-            <a:pPr indent="-228600" lvl="1" marL="914400" rtl="0">
-              <a:spcBef>
-                <a:spcPts val="0"/>
-              </a:spcBef>
-            </a:pPr>
-            <a:r>
-              <a:rPr lang="en"/>
-              <a:t>&lt;Name 1&gt; &lt;Type&gt;( Options…..)</a:t>
-            </a:r>
-          </a:p>
-          <a:p>
-            <a:pPr indent="-228600" lvl="1" marL="914400" rtl="0">
-              <a:spcBef>
-                <a:spcPts val="0"/>
-              </a:spcBef>
-            </a:pPr>
-            <a:r>
-              <a:rPr lang="en"/>
-              <a:t>&lt;Name 2&gt;&lt;Type&gt;(Options…..)</a:t>
-            </a:r>
-          </a:p>
-          <a:p>
-            <a:pPr indent="-228600" lvl="1" marL="914400" rtl="0">
-              <a:spcBef>
-                <a:spcPts val="0"/>
-              </a:spcBef>
-            </a:pPr>
-            <a:r>
-              <a:rPr lang="en"/>
-              <a:t>);</a:t>
-            </a:r>
-          </a:p>
-          <a:p>
-            <a:pPr indent="-228600" lvl="0" marL="457200" rtl="0">
-              <a:spcBef>
-                <a:spcPts val="0"/>
-              </a:spcBef>
-            </a:pPr>
-            <a:r>
-              <a:rPr lang="en"/>
-              <a:t>DESC &lt;tablename&gt;</a:t>
-            </a:r>
+            <a:pPr lvl="0">
+              <a:spcBef>
+                <a:spcPts val="0"/>
+              </a:spcBef>
+              <a:buNone/>
+            </a:pPr>
+            <a:r>
+              <a:t/>
+            </a:r>
+            <a:endParaRPr/>
           </a:p>
         </p:txBody>
       </p:sp>
+      <p:pic>
+        <p:nvPicPr>
+          <p:cNvPr id="147" name="Shape 147"/>
+          <p:cNvPicPr preferRelativeResize="0"/>
+          <p:nvPr/>
+        </p:nvPicPr>
+        <p:blipFill>
+          <a:blip r:embed="rId3">
+            <a:alphaModFix/>
+          </a:blip>
+          <a:stretch>
+            <a:fillRect/>
+          </a:stretch>
+        </p:blipFill>
+        <p:spPr>
+          <a:xfrm>
+            <a:off x="1423975" y="1200150"/>
+            <a:ext cx="6296025" cy="2743200"/>
+          </a:xfrm>
+          <a:prstGeom prst="rect">
+            <a:avLst/>
+          </a:prstGeom>
+          <a:noFill/>
+          <a:ln>
+            <a:noFill/>
+          </a:ln>
+        </p:spPr>
+      </p:pic>
     </p:spTree>
   </p:cSld>
   <p:clrMapOvr>
@@ -7478,7 +7833,7 @@
             </a:pPr>
             <a:r>
               <a:rPr lang="en"/>
-              <a:t>Creating and Using Databases/Tables Cont.</a:t>
+              <a:t>Types and Typing		</a:t>
             </a:r>
           </a:p>
         </p:txBody>
@@ -7513,36 +7868,12 @@
             </a:pPr>
             <a:r>
               <a:rPr lang="en"/>
-              <a:t>ALTER TABLE&lt;name&gt;...</a:t>
-            </a:r>
-          </a:p>
-          <a:p>
-            <a:pPr indent="-228600" lvl="1" marL="914400" rtl="0">
-              <a:spcBef>
-                <a:spcPts val="0"/>
-              </a:spcBef>
-            </a:pPr>
-            <a:r>
-              <a:rPr lang="en"/>
-              <a:t>ADD &lt;VariableName&gt;&lt;VariableType&gt;....</a:t>
-            </a:r>
-          </a:p>
-          <a:p>
-            <a:pPr indent="-228600" lvl="1" marL="914400" rtl="0">
-              <a:spcBef>
-                <a:spcPts val="0"/>
-              </a:spcBef>
-            </a:pPr>
-            <a:r>
-              <a:rPr lang="en"/>
-              <a:t>AFTER&lt;element in table&gt;;</a:t>
-            </a:r>
-            <a:br>
-              <a:rPr lang="en"/>
-            </a:br>
-            <a:br>
-              <a:rPr lang="en"/>
-            </a:br>
+              <a:t>INT</a:t>
+            </a:r>
+            <a:r>
+              <a:rPr lang="en"/>
+              <a:t>(signed or unsigned)</a:t>
+            </a:r>
           </a:p>
           <a:p>
             <a:pPr indent="-228600" lvl="0" marL="457200" rtl="0">
@@ -7552,47 +7883,73 @@
             </a:pPr>
             <a:r>
               <a:rPr lang="en"/>
-              <a:t>INSERT INTO &lt;tablename&gt;...</a:t>
-            </a:r>
-            <a:br>
-              <a:rPr lang="en"/>
-            </a:br>
-            <a:r>
-              <a:rPr lang="en"/>
-              <a:t>(&lt;VarName&gt;,&lt;VarName2&gt;,&lt;VarName3&gt;...)</a:t>
-            </a:r>
-            <a:br>
-              <a:rPr lang="en"/>
-            </a:br>
-            <a:r>
-              <a:rPr lang="en"/>
-              <a:t>VALUES</a:t>
-            </a:r>
-            <a:br>
-              <a:rPr lang="en"/>
-            </a:br>
-            <a:r>
-              <a:rPr lang="en"/>
-              <a:t>(&lt;Value1&gt;,&lt;Value2&gt;,&lt;Value3&gt;...);</a:t>
-            </a:r>
-          </a:p>
-          <a:p>
-            <a:pPr indent="-228600" lvl="1" marL="914400" rtl="0">
-              <a:spcBef>
-                <a:spcPts val="0"/>
-              </a:spcBef>
-            </a:pPr>
-            <a:r>
-              <a:rPr lang="en"/>
-              <a:t>Missing Values are </a:t>
-            </a:r>
-            <a:r>
-              <a:rPr lang="en"/>
-              <a:t>defaulted</a:t>
-            </a:r>
-            <a:r>
-              <a:rPr lang="en"/>
-              <a:t> to null</a:t>
+              <a:t>TINYINT (Signed or unsigned) (-128 to 127 / 0 to 255)</a:t>
+            </a:r>
+          </a:p>
+          <a:p>
+            <a:pPr indent="-228600" lvl="0" marL="457200" rtl="0">
+              <a:spcBef>
+                <a:spcPts val="0"/>
+              </a:spcBef>
+            </a:pPr>
+            <a:r>
+              <a:rPr lang="en"/>
+              <a:t>SMALLINT (signed or unsigned) (-32768 to 32767 / 0-65535)</a:t>
+            </a:r>
+          </a:p>
+          <a:p>
+            <a:pPr indent="-228600" lvl="0" marL="457200" rtl="0">
+              <a:spcBef>
+                <a:spcPts val="0"/>
+              </a:spcBef>
+            </a:pPr>
+            <a:r>
+              <a:rPr lang="en"/>
+              <a:t>MEDIUMINT (Signed or Unsigned)(-8388608 to 8388607 / 0 to 16777215)</a:t>
+            </a:r>
+          </a:p>
+          <a:p>
+            <a:pPr indent="-228600" lvl="0" marL="457200" rtl="0">
+              <a:spcBef>
+                <a:spcPts val="0"/>
+              </a:spcBef>
+            </a:pPr>
+            <a:r>
+              <a:rPr lang="en"/>
+              <a:t>BIGINT (Signed or unsigned) (pretty dang big)</a:t>
+            </a:r>
+          </a:p>
+          <a:p>
+            <a:pPr indent="-228600" lvl="0" marL="457200" rtl="0">
+              <a:spcBef>
+                <a:spcPts val="0"/>
+              </a:spcBef>
+            </a:pPr>
+            <a:r>
+              <a:rPr lang="en"/>
+              <a:t>FLOAT (M,D) M = Display Length, D = number of decimals (default is 10,2)</a:t>
+            </a:r>
+          </a:p>
+          <a:p>
+            <a:pPr indent="-228600" lvl="0" marL="457200" rtl="0">
+              <a:spcBef>
+                <a:spcPts val="0"/>
+              </a:spcBef>
+            </a:pPr>
+            <a:r>
+              <a:rPr lang="en"/>
+              <a:t>DOUBLE (M,D)</a:t>
+            </a:r>
+          </a:p>
+          <a:p>
+            <a:pPr indent="-228600" lvl="0" marL="457200">
+              <a:spcBef>
+                <a:spcPts val="0"/>
+              </a:spcBef>
+            </a:pPr>
+            <a:r>
+              <a:rPr lang="en"/>
+              <a:t>DECIMAL (M,D)</a:t>
             </a:r>
           </a:p>
         </p:txBody>
@@ -7653,7 +8010,7 @@
             </a:pPr>
             <a:r>
               <a:rPr lang="en"/>
-              <a:t>Other Useful Commands	</a:t>
+              <a:t>More Types! (keep your Caps lock on)</a:t>
             </a:r>
           </a:p>
         </p:txBody>
@@ -7688,7 +8045,7 @@
             </a:pPr>
             <a:r>
               <a:rPr lang="en"/>
-              <a:t>SELECT &lt;What?&gt; FROM &lt;Location&gt; WHERE &lt;Conditional?&gt;;</a:t>
+              <a:t>DATE</a:t>
             </a:r>
           </a:p>
           <a:p>
@@ -7699,7 +8056,7 @@
             </a:pPr>
             <a:r>
               <a:rPr lang="en"/>
-              <a:t>DELETE FROM &lt;Location&gt; WHERE &lt;Conditional?&gt;;</a:t>
+              <a:t>DATETIME</a:t>
             </a:r>
           </a:p>
           <a:p>
@@ -7710,7 +8067,14 @@
             </a:pPr>
             <a:r>
               <a:rPr lang="en"/>
-              <a:t>UPDATE &lt;Location&gt; SET &lt;Field&gt; WHERE &lt;Field&gt; = “Condition”</a:t>
+              <a:t>TIMESTAMP</a:t>
+            </a:r>
+            <a:br>
+              <a:rPr lang="en"/>
+            </a:br>
+            <a:r>
+              <a:rPr lang="en"/>
+              <a:t>TIME</a:t>
             </a:r>
           </a:p>
           <a:p>
@@ -7721,7 +8085,7 @@
             </a:pPr>
             <a:r>
               <a:rPr lang="en"/>
-              <a:t>ORDER BY &lt;Attribute&gt; Follows a select command.</a:t>
+              <a:t>YEAR(M)</a:t>
             </a:r>
           </a:p>
           <a:p>
@@ -7732,7 +8096,7 @@
             </a:pPr>
             <a:r>
               <a:rPr lang="en"/>
-              <a:t>SELECT * From &lt;Location&gt; WHERE &lt;Field&gt; LIKE &lt;Pattern or REGEX&gt;</a:t>
+              <a:t>CHAR(M)</a:t>
             </a:r>
           </a:p>
           <a:p>
@@ -7743,7 +8107,29 @@
             </a:pPr>
             <a:r>
               <a:rPr lang="en"/>
-              <a:t>SELECT COUNT(*) FROM &lt;Location&gt;</a:t>
+              <a:t>VARCHAR(M)</a:t>
+            </a:r>
+          </a:p>
+          <a:p>
+            <a:pPr indent="-228600" lvl="0" marL="457200" rtl="0">
+              <a:spcBef>
+                <a:spcPts val="0"/>
+              </a:spcBef>
+            </a:pPr>
+            <a:r>
+              <a:rPr lang="en"/>
+              <a:t>BLOB OR TEXT (Binary large Objects) (TINY/MED/LONG sizes)</a:t>
+            </a:r>
+          </a:p>
+          <a:p>
+            <a:pPr indent="-228600" lvl="0" marL="457200">
+              <a:spcBef>
+                <a:spcPts val="0"/>
+              </a:spcBef>
+            </a:pPr>
+            <a:r>
+              <a:rPr lang="en"/>
+              <a:t>ENUM</a:t>
             </a:r>
           </a:p>
         </p:txBody>
@@ -7804,7 +8190,7 @@
             </a:pPr>
             <a:r>
               <a:rPr lang="en"/>
-              <a:t>SQL For “hacking”</a:t>
+              <a:t>General View Commands</a:t>
             </a:r>
           </a:p>
         </p:txBody>
@@ -7832,80 +8218,113 @@
           </a:bodyPr>
           <a:lstStyle/>
           <a:p>
-            <a:pPr lvl="0">
-              <a:spcBef>
-                <a:spcPts val="0"/>
-              </a:spcBef>
-              <a:buNone/>
-            </a:pPr>
-            <a:r>
-              <a:rPr lang="en"/>
-              <a:t>Some websites that use SQL Databases for </a:t>
-            </a:r>
-            <a:r>
-              <a:rPr lang="en"/>
-              <a:t>information</a:t>
-            </a:r>
-            <a:r>
-              <a:rPr lang="en"/>
-              <a:t> storage are vulnerable if user inputs aren’t handled. Hypothetically, if a website isn’t protected, it’s vulnerable to “SQL Injection”.</a:t>
-            </a:r>
-          </a:p>
-          <a:p>
-            <a:pPr lvl="0">
-              <a:spcBef>
-                <a:spcPts val="0"/>
-              </a:spcBef>
-              <a:buNone/>
-            </a:pPr>
-            <a:r>
-              <a:t/>
-            </a:r>
-            <a:endParaRPr/>
-          </a:p>
-          <a:p>
-            <a:pPr lvl="0">
-              <a:spcBef>
-                <a:spcPts val="0"/>
-              </a:spcBef>
-              <a:buNone/>
-            </a:pPr>
-            <a:r>
-              <a:rPr lang="en"/>
-              <a:t>Through a login screen, you could use a long string of code to either delete all the user accounts or </a:t>
-            </a:r>
-            <a:r>
-              <a:rPr lang="en"/>
-              <a:t>retrieve</a:t>
-            </a:r>
-            <a:r>
-              <a:rPr lang="en"/>
-              <a:t> their information.</a:t>
-            </a:r>
-          </a:p>
-          <a:p>
-            <a:pPr lvl="0">
-              <a:spcBef>
-                <a:spcPts val="0"/>
-              </a:spcBef>
-              <a:buNone/>
-            </a:pPr>
-            <a:r>
-              <a:t/>
-            </a:r>
-            <a:endParaRPr/>
-          </a:p>
-          <a:p>
-            <a:pPr lvl="0">
-              <a:spcBef>
-                <a:spcPts val="0"/>
-              </a:spcBef>
-              <a:buNone/>
-            </a:pPr>
-            <a:r>
-              <a:t/>
-            </a:r>
-            <a:endParaRPr/>
+            <a:pPr indent="-228600" lvl="0" marL="457200" rtl="0">
+              <a:spcBef>
+                <a:spcPts val="0"/>
+              </a:spcBef>
+            </a:pPr>
+            <a:r>
+              <a:rPr b="1" lang="en"/>
+              <a:t>USE </a:t>
+            </a:r>
+            <a:r>
+              <a:rPr lang="en"/>
+              <a:t>&lt;database name&gt;</a:t>
+            </a:r>
+          </a:p>
+          <a:p>
+            <a:pPr indent="-228600" lvl="1" marL="914400" rtl="0">
+              <a:spcBef>
+                <a:spcPts val="0"/>
+              </a:spcBef>
+            </a:pPr>
+            <a:r>
+              <a:rPr lang="en"/>
+              <a:t>Selects database to work within</a:t>
+            </a:r>
+          </a:p>
+          <a:p>
+            <a:pPr indent="-228600" lvl="0" marL="457200" rtl="0">
+              <a:spcBef>
+                <a:spcPts val="0"/>
+              </a:spcBef>
+            </a:pPr>
+            <a:r>
+              <a:rPr b="1" lang="en"/>
+              <a:t>SHOW </a:t>
+            </a:r>
+            <a:r>
+              <a:rPr lang="en"/>
+              <a:t>DATABASES</a:t>
+            </a:r>
+          </a:p>
+          <a:p>
+            <a:pPr indent="-228600" lvl="1" marL="914400" rtl="0">
+              <a:spcBef>
+                <a:spcPts val="0"/>
+              </a:spcBef>
+            </a:pPr>
+            <a:r>
+              <a:rPr lang="en"/>
+              <a:t>Lists databases available</a:t>
+            </a:r>
+          </a:p>
+          <a:p>
+            <a:pPr indent="-228600" lvl="0" marL="457200" rtl="0">
+              <a:spcBef>
+                <a:spcPts val="0"/>
+              </a:spcBef>
+            </a:pPr>
+            <a:r>
+              <a:rPr b="1" lang="en"/>
+              <a:t>SHOW </a:t>
+            </a:r>
+            <a:r>
+              <a:rPr lang="en"/>
+              <a:t>TABLES </a:t>
+            </a:r>
+          </a:p>
+          <a:p>
+            <a:pPr indent="-228600" lvl="1" marL="914400" rtl="0">
+              <a:spcBef>
+                <a:spcPts val="0"/>
+              </a:spcBef>
+            </a:pPr>
+            <a:r>
+              <a:rPr lang="en"/>
+              <a:t>Shows tables in the current database</a:t>
+            </a:r>
+          </a:p>
+          <a:p>
+            <a:pPr indent="-228600" lvl="0" marL="457200" rtl="0">
+              <a:spcBef>
+                <a:spcPts val="0"/>
+              </a:spcBef>
+            </a:pPr>
+            <a:r>
+              <a:rPr b="1" lang="en"/>
+              <a:t>SHOW </a:t>
+            </a:r>
+            <a:r>
+              <a:rPr lang="en"/>
+              <a:t>COLUMNS FROM </a:t>
+            </a:r>
+            <a:r>
+              <a:rPr lang="en" sz="1700"/>
+              <a:t>&lt;tablename&gt;</a:t>
+            </a:r>
+          </a:p>
+          <a:p>
+            <a:pPr indent="-336550" lvl="1" marL="914400" rtl="0">
+              <a:spcBef>
+                <a:spcPts val="0"/>
+              </a:spcBef>
+              <a:buSzPct val="100000"/>
+            </a:pPr>
+            <a:r>
+              <a:rPr lang="en" sz="1700"/>
+              <a:t>Ex: SHOW COLUMNS FROM STUDENTS would probably return “Name, ID, GPA”)</a:t>
+            </a:r>
           </a:p>
         </p:txBody>
       </p:sp>
@@ -7965,7 +8384,19 @@
             </a:pPr>
             <a:r>
               <a:rPr lang="en"/>
-              <a:t> </a:t>
+              <a:t>Creating and Using Databases/Tables		</a:t>
+            </a:r>
+          </a:p>
+          <a:p>
+            <a:pPr lvl="0">
+              <a:spcBef>
+                <a:spcPts val="0"/>
+              </a:spcBef>
+              <a:buNone/>
+            </a:pPr>
+            <a:r>
+              <a:rPr lang="en"/>
+              <a:t>	</a:t>
             </a:r>
           </a:p>
         </p:txBody>
@@ -7993,47 +8424,128 @@
           </a:bodyPr>
           <a:lstStyle/>
           <a:p>
-            <a:pPr lvl="0">
-              <a:spcBef>
-                <a:spcPts val="0"/>
-              </a:spcBef>
-              <a:buNone/>
-            </a:pPr>
-            <a:r>
-              <a:rPr lang="en"/>
-              <a:t> </a:t>
+            <a:pPr indent="-228600" lvl="0" marL="457200">
+              <a:spcBef>
+                <a:spcPts val="0"/>
+              </a:spcBef>
+            </a:pPr>
+            <a:r>
+              <a:rPr lang="en"/>
+              <a:t>CREATE DATABASE &lt;Name&gt;;</a:t>
+            </a:r>
+          </a:p>
+          <a:p>
+            <a:pPr indent="-228600" lvl="1" marL="914400" rtl="0">
+              <a:spcBef>
+                <a:spcPts val="0"/>
+              </a:spcBef>
+            </a:pPr>
+            <a:r>
+              <a:rPr lang="en"/>
+              <a:t>You can check to see if it exists already by saying “IF NOT EXISTS” as well</a:t>
+            </a:r>
+          </a:p>
+          <a:p>
+            <a:pPr indent="-228600" lvl="0" marL="457200" rtl="0">
+              <a:spcBef>
+                <a:spcPts val="0"/>
+              </a:spcBef>
+            </a:pPr>
+            <a:r>
+              <a:rPr lang="en"/>
+              <a:t>DROP DATABASE &lt;Name&gt;;</a:t>
+            </a:r>
+          </a:p>
+          <a:p>
+            <a:pPr indent="-228600" lvl="1" marL="914400" rtl="0">
+              <a:spcBef>
+                <a:spcPts val="0"/>
+              </a:spcBef>
+            </a:pPr>
+            <a:r>
+              <a:rPr lang="en"/>
+              <a:t>Deletes database</a:t>
+            </a:r>
+          </a:p>
+          <a:p>
+            <a:pPr indent="-228600" lvl="0" marL="457200" rtl="0">
+              <a:spcBef>
+                <a:spcPts val="0"/>
+              </a:spcBef>
+            </a:pPr>
+            <a:r>
+              <a:rPr lang="en"/>
+              <a:t>USE &lt;name&gt;;</a:t>
+            </a:r>
+          </a:p>
+          <a:p>
+            <a:pPr indent="-228600" lvl="1" marL="914400" rtl="0">
+              <a:spcBef>
+                <a:spcPts val="0"/>
+              </a:spcBef>
+            </a:pPr>
+            <a:r>
+              <a:rPr lang="en"/>
+              <a:t>Selects database to use</a:t>
+            </a:r>
+          </a:p>
+          <a:p>
+            <a:pPr indent="-228600" lvl="0" marL="457200" rtl="0">
+              <a:spcBef>
+                <a:spcPts val="0"/>
+              </a:spcBef>
+            </a:pPr>
+            <a:r>
+              <a:rPr lang="en"/>
+              <a:t>CREATE TABLE &lt;Name&gt; (</a:t>
+            </a:r>
+          </a:p>
+          <a:p>
+            <a:pPr indent="-228600" lvl="1" marL="914400" rtl="0">
+              <a:spcBef>
+                <a:spcPts val="0"/>
+              </a:spcBef>
+            </a:pPr>
+            <a:r>
+              <a:rPr lang="en"/>
+              <a:t>&lt;Name 1&gt; &lt;Type&gt;( Options…..)</a:t>
+            </a:r>
+          </a:p>
+          <a:p>
+            <a:pPr indent="-228600" lvl="1" marL="914400" rtl="0">
+              <a:spcBef>
+                <a:spcPts val="0"/>
+              </a:spcBef>
+            </a:pPr>
+            <a:r>
+              <a:rPr lang="en"/>
+              <a:t>&lt;Name 2&gt;&lt;Type&gt;(Options…..)</a:t>
+            </a:r>
+          </a:p>
+          <a:p>
+            <a:pPr indent="-228600" lvl="1" marL="914400" rtl="0">
+              <a:spcBef>
+                <a:spcPts val="0"/>
+              </a:spcBef>
+            </a:pPr>
+            <a:r>
+              <a:rPr lang="en"/>
+              <a:t>);</a:t>
+            </a:r>
+          </a:p>
+          <a:p>
+            <a:pPr indent="-228600" lvl="0" marL="457200" rtl="0">
+              <a:spcBef>
+                <a:spcPts val="0"/>
+              </a:spcBef>
+            </a:pPr>
+            <a:r>
+              <a:rPr lang="en"/>
+              <a:t>DESC &lt;tablename&gt;</a:t>
             </a:r>
           </a:p>
         </p:txBody>
       </p:sp>
-      <p:pic>
-        <p:nvPicPr>
-          <p:cNvPr id="172" name="Shape 172"/>
-          <p:cNvPicPr preferRelativeResize="0"/>
-          <p:nvPr/>
-        </p:nvPicPr>
-        <p:blipFill>
-          <a:blip r:embed="rId3">
-            <a:alphaModFix/>
-          </a:blip>
-          <a:stretch>
-            <a:fillRect/>
-          </a:stretch>
-        </p:blipFill>
-        <p:spPr>
-          <a:xfrm>
-            <a:off x="1400175" y="1595425"/>
-            <a:ext cx="6343650" cy="1952625"/>
-          </a:xfrm>
-          <a:prstGeom prst="rect">
-            <a:avLst/>
-          </a:prstGeom>
-          <a:noFill/>
-          <a:ln>
-            <a:noFill/>
-          </a:ln>
-        </p:spPr>
-      </p:pic>
     </p:spTree>
   </p:cSld>
   <p:clrMapOvr>
@@ -8047,7 +8559,7 @@
   <p:cSld>
     <p:spTree>
       <p:nvGrpSpPr>
-        <p:cNvPr id="176" name="Shape 176"/>
+        <p:cNvPr id="175" name="Shape 175"/>
         <p:cNvGrpSpPr/>
         <p:nvPr/>
       </p:nvGrpSpPr>
@@ -8061,7 +8573,7 @@
       </p:grpSpPr>
       <p:sp>
         <p:nvSpPr>
-          <p:cNvPr id="177" name="Shape 177"/>
+          <p:cNvPr id="176" name="Shape 176"/>
           <p:cNvSpPr txBox="1"/>
           <p:nvPr>
             <p:ph type="title"/>
@@ -8090,14 +8602,14 @@
             </a:pPr>
             <a:r>
               <a:rPr lang="en"/>
-              <a:t>Time to talk about cats</a:t>
+              <a:t>Creating and Using Databases/Tables Cont.</a:t>
             </a:r>
           </a:p>
         </p:txBody>
       </p:sp>
       <p:sp>
         <p:nvSpPr>
-          <p:cNvPr id="178" name="Shape 178"/>
+          <p:cNvPr id="177" name="Shape 177"/>
           <p:cNvSpPr txBox="1"/>
           <p:nvPr>
             <p:ph idx="1" type="body"/>
@@ -8118,16 +8630,94 @@
           </a:bodyPr>
           <a:lstStyle/>
           <a:p>
-            <a:pPr lvl="0">
-              <a:spcBef>
-                <a:spcPts val="0"/>
-              </a:spcBef>
-              <a:buNone/>
-            </a:pPr>
-            <a:r>
-              <a:t/>
-            </a:r>
-            <a:endParaRPr/>
+            <a:pPr indent="-228600" lvl="0" marL="457200" rtl="0">
+              <a:spcBef>
+                <a:spcPts val="0"/>
+              </a:spcBef>
+            </a:pPr>
+            <a:r>
+              <a:rPr lang="en"/>
+              <a:t>ALTER TABLE&lt;name&gt;...</a:t>
+            </a:r>
+          </a:p>
+          <a:p>
+            <a:pPr indent="-228600" lvl="1" marL="914400" rtl="0">
+              <a:spcBef>
+                <a:spcPts val="0"/>
+              </a:spcBef>
+            </a:pPr>
+            <a:r>
+              <a:rPr lang="en"/>
+              <a:t>ADD &lt;VariableName&gt;&lt;VariableType&gt;....</a:t>
+            </a:r>
+          </a:p>
+          <a:p>
+            <a:pPr indent="-228600" lvl="1" marL="914400" rtl="0">
+              <a:spcBef>
+                <a:spcPts val="0"/>
+              </a:spcBef>
+            </a:pPr>
+            <a:r>
+              <a:rPr lang="en"/>
+              <a:t>AFTER&lt;element in table&gt;;</a:t>
+            </a:r>
+            <a:br>
+              <a:rPr lang="en"/>
+            </a:br>
+            <a:br>
+              <a:rPr lang="en"/>
+            </a:br>
+          </a:p>
+          <a:p>
+            <a:pPr indent="-228600" lvl="0" marL="457200" rtl="0">
+              <a:spcBef>
+                <a:spcPts val="0"/>
+              </a:spcBef>
+            </a:pPr>
+            <a:r>
+              <a:rPr lang="en"/>
+              <a:t>INSERT INTO &lt;tablename&gt;...</a:t>
+            </a:r>
+            <a:br>
+              <a:rPr lang="en"/>
+            </a:br>
+            <a:r>
+              <a:rPr lang="en"/>
+              <a:t>(&lt;VarName&gt;,&lt;VarName2&gt;,&lt;VarName3&gt;...)</a:t>
+            </a:r>
+            <a:br>
+              <a:rPr lang="en"/>
+            </a:br>
+            <a:r>
+              <a:rPr lang="en"/>
+              <a:t>VALUES</a:t>
+            </a:r>
+            <a:br>
+              <a:rPr lang="en"/>
+            </a:br>
+            <a:r>
+              <a:rPr lang="en"/>
+              <a:t>(&lt;Value1&gt;,&lt;Value2&gt;,&lt;Value3&gt;...);</a:t>
+            </a:r>
+          </a:p>
+          <a:p>
+            <a:pPr indent="-228600" lvl="1" marL="914400" rtl="0">
+              <a:spcBef>
+                <a:spcPts val="0"/>
+              </a:spcBef>
+            </a:pPr>
+            <a:r>
+              <a:rPr lang="en"/>
+              <a:t>Missing Values are </a:t>
+            </a:r>
+            <a:r>
+              <a:rPr lang="en"/>
+              <a:t>defaulted</a:t>
+            </a:r>
+            <a:r>
+              <a:rPr lang="en"/>
+              <a:t> to null</a:t>
+            </a:r>
           </a:p>
         </p:txBody>
       </p:sp>
@@ -8144,7 +8734,7 @@
   <p:cSld>
     <p:spTree>
       <p:nvGrpSpPr>
-        <p:cNvPr id="182" name="Shape 182"/>
+        <p:cNvPr id="181" name="Shape 181"/>
         <p:cNvGrpSpPr/>
         <p:nvPr/>
       </p:nvGrpSpPr>
@@ -8158,7 +8748,7 @@
       </p:grpSpPr>
       <p:sp>
         <p:nvSpPr>
-          <p:cNvPr id="183" name="Shape 183"/>
+          <p:cNvPr id="182" name="Shape 182"/>
           <p:cNvSpPr txBox="1"/>
           <p:nvPr>
             <p:ph type="title"/>
@@ -8187,14 +8777,14 @@
             </a:pPr>
             <a:r>
               <a:rPr lang="en"/>
-              <a:t>Lab</a:t>
+              <a:t>Other Useful Commands	</a:t>
             </a:r>
           </a:p>
         </p:txBody>
       </p:sp>
       <p:sp>
         <p:nvSpPr>
-          <p:cNvPr id="184" name="Shape 184"/>
+          <p:cNvPr id="183" name="Shape 183"/>
           <p:cNvSpPr txBox="1"/>
           <p:nvPr>
             <p:ph idx="1" type="body"/>
@@ -8215,6 +8805,121 @@
           </a:bodyPr>
           <a:lstStyle/>
           <a:p>
+            <a:pPr indent="-228600" lvl="0" marL="457200" rtl="0">
+              <a:spcBef>
+                <a:spcPts val="0"/>
+              </a:spcBef>
+            </a:pPr>
+            <a:r>
+              <a:rPr lang="en"/>
+              <a:t>SELECT &lt;What?&gt; FROM &lt;Location&gt; WHERE &lt;Conditional?&gt;;</a:t>
+            </a:r>
+          </a:p>
+          <a:p>
+            <a:pPr indent="-228600" lvl="0" marL="457200" rtl="0">
+              <a:spcBef>
+                <a:spcPts val="0"/>
+              </a:spcBef>
+            </a:pPr>
+            <a:r>
+              <a:rPr lang="en"/>
+              <a:t>DELETE FROM &lt;Location&gt; WHERE &lt;Conditional?&gt;;</a:t>
+            </a:r>
+          </a:p>
+          <a:p>
+            <a:pPr indent="-228600" lvl="0" marL="457200" rtl="0">
+              <a:spcBef>
+                <a:spcPts val="0"/>
+              </a:spcBef>
+            </a:pPr>
+            <a:r>
+              <a:rPr lang="en"/>
+              <a:t>UPDATE &lt;Location&gt; SET &lt;Field&gt; WHERE &lt;Field&gt; = “Condition”</a:t>
+            </a:r>
+          </a:p>
+          <a:p>
+            <a:pPr indent="-228600" lvl="0" marL="457200" rtl="0">
+              <a:spcBef>
+                <a:spcPts val="0"/>
+              </a:spcBef>
+            </a:pPr>
+            <a:r>
+              <a:rPr lang="en"/>
+              <a:t>ORDER BY &lt;Attribute&gt; Follows a select command.</a:t>
+            </a:r>
+          </a:p>
+          <a:p>
+            <a:pPr indent="-228600" lvl="0" marL="457200" rtl="0">
+              <a:spcBef>
+                <a:spcPts val="0"/>
+              </a:spcBef>
+            </a:pPr>
+            <a:r>
+              <a:rPr lang="en"/>
+              <a:t>SELECT * From &lt;Location&gt; WHERE &lt;Field&gt; LIKE &lt;Pattern or REGEX&gt;</a:t>
+            </a:r>
+          </a:p>
+          <a:p>
+            <a:pPr indent="-228600" lvl="0" marL="457200" rtl="0">
+              <a:spcBef>
+                <a:spcPts val="0"/>
+              </a:spcBef>
+            </a:pPr>
+            <a:r>
+              <a:rPr lang="en"/>
+              <a:t>SELECT COUNT(*) FROM &lt;Location&gt;</a:t>
+            </a:r>
+          </a:p>
+        </p:txBody>
+      </p:sp>
+    </p:spTree>
+  </p:cSld>
+  <p:clrMapOvr>
+    <a:masterClrMapping/>
+  </p:clrMapOvr>
+</p:sld>
+</file>
+
+<file path=ppt/slides/slide18.xml><?xml version="1.0" encoding="utf-8"?>
+<p:sld xmlns:a="http://schemas.openxmlformats.org/drawingml/2006/main" xmlns:r="http://schemas.openxmlformats.org/officeDocument/2006/relationships" xmlns:mc="http://schemas.openxmlformats.org/markup-compatibility/2006" xmlns:mv="urn:schemas-microsoft-com:mac:vml" xmlns:p="http://schemas.openxmlformats.org/presentationml/2006/main" xmlns:c="http://schemas.openxmlformats.org/drawingml/2006/chart" xmlns:dgm="http://schemas.openxmlformats.org/drawingml/2006/diagram" xmlns:o="urn:schemas-microsoft-com:office:office" xmlns:v="urn:schemas-microsoft-com:vml" xmlns:pvml="urn:schemas-microsoft-com:office:powerpoint" xmlns:com="http://schemas.openxmlformats.org/drawingml/2006/compatibility" xmlns:p14="http://schemas.microsoft.com/office/powerpoint/2010/main">
+  <p:cSld>
+    <p:spTree>
+      <p:nvGrpSpPr>
+        <p:cNvPr id="187" name="Shape 187"/>
+        <p:cNvGrpSpPr/>
+        <p:nvPr/>
+      </p:nvGrpSpPr>
+      <p:grpSpPr>
+        <a:xfrm>
+          <a:off x="0" y="0"/>
+          <a:ext cx="0" cy="0"/>
+          <a:chOff x="0" y="0"/>
+          <a:chExt cx="0" cy="0"/>
+        </a:xfrm>
+      </p:grpSpPr>
+      <p:sp>
+        <p:nvSpPr>
+          <p:cNvPr id="188" name="Shape 188"/>
+          <p:cNvSpPr txBox="1"/>
+          <p:nvPr>
+            <p:ph type="title"/>
+          </p:nvPr>
+        </p:nvSpPr>
+        <p:spPr>
+          <a:xfrm>
+            <a:off x="311700" y="410000"/>
+            <a:ext cx="8520600" cy="607800"/>
+          </a:xfrm>
+          <a:prstGeom prst="rect">
+            <a:avLst/>
+          </a:prstGeom>
+        </p:spPr>
+        <p:txBody>
+          <a:bodyPr anchorCtr="0" anchor="t" bIns="91425" lIns="91425" rIns="91425" tIns="91425">
+            <a:noAutofit/>
+          </a:bodyPr>
+          <a:lstStyle/>
+          <a:p>
             <a:pPr lvl="0">
               <a:spcBef>
                 <a:spcPts val="0"/>
@@ -8223,8 +8928,169 @@
             </a:pPr>
             <a:r>
               <a:rPr lang="en"/>
-              <a:t>Write a query to print out the first and last day of the month in datetime format 3 months ago.</a:t>
-            </a:r>
+              <a:t> </a:t>
+            </a:r>
+          </a:p>
+        </p:txBody>
+      </p:sp>
+      <p:sp>
+        <p:nvSpPr>
+          <p:cNvPr id="189" name="Shape 189"/>
+          <p:cNvSpPr txBox="1"/>
+          <p:nvPr>
+            <p:ph idx="1" type="body"/>
+          </p:nvPr>
+        </p:nvSpPr>
+        <p:spPr>
+          <a:xfrm>
+            <a:off x="311700" y="1229875"/>
+            <a:ext cx="8520600" cy="3339000"/>
+          </a:xfrm>
+          <a:prstGeom prst="rect">
+            <a:avLst/>
+          </a:prstGeom>
+        </p:spPr>
+        <p:txBody>
+          <a:bodyPr anchorCtr="0" anchor="t" bIns="91425" lIns="91425" rIns="91425" tIns="91425">
+            <a:noAutofit/>
+          </a:bodyPr>
+          <a:lstStyle/>
+          <a:p>
+            <a:pPr lvl="0">
+              <a:spcBef>
+                <a:spcPts val="0"/>
+              </a:spcBef>
+              <a:buNone/>
+            </a:pPr>
+            <a:r>
+              <a:rPr lang="en"/>
+              <a:t> </a:t>
+            </a:r>
+          </a:p>
+        </p:txBody>
+      </p:sp>
+      <p:pic>
+        <p:nvPicPr>
+          <p:cNvPr id="190" name="Shape 190"/>
+          <p:cNvPicPr preferRelativeResize="0"/>
+          <p:nvPr/>
+        </p:nvPicPr>
+        <p:blipFill>
+          <a:blip r:embed="rId3">
+            <a:alphaModFix/>
+          </a:blip>
+          <a:stretch>
+            <a:fillRect/>
+          </a:stretch>
+        </p:blipFill>
+        <p:spPr>
+          <a:xfrm>
+            <a:off x="1400175" y="1595425"/>
+            <a:ext cx="6343650" cy="1952625"/>
+          </a:xfrm>
+          <a:prstGeom prst="rect">
+            <a:avLst/>
+          </a:prstGeom>
+          <a:noFill/>
+          <a:ln>
+            <a:noFill/>
+          </a:ln>
+        </p:spPr>
+      </p:pic>
+    </p:spTree>
+  </p:cSld>
+  <p:clrMapOvr>
+    <a:masterClrMapping/>
+  </p:clrMapOvr>
+</p:sld>
+</file>
+
+<file path=ppt/slides/slide19.xml><?xml version="1.0" encoding="utf-8"?>
+<p:sld xmlns:a="http://schemas.openxmlformats.org/drawingml/2006/main" xmlns:r="http://schemas.openxmlformats.org/officeDocument/2006/relationships" xmlns:mc="http://schemas.openxmlformats.org/markup-compatibility/2006" xmlns:mv="urn:schemas-microsoft-com:mac:vml" xmlns:p="http://schemas.openxmlformats.org/presentationml/2006/main" xmlns:c="http://schemas.openxmlformats.org/drawingml/2006/chart" xmlns:dgm="http://schemas.openxmlformats.org/drawingml/2006/diagram" xmlns:o="urn:schemas-microsoft-com:office:office" xmlns:v="urn:schemas-microsoft-com:vml" xmlns:pvml="urn:schemas-microsoft-com:office:powerpoint" xmlns:com="http://schemas.openxmlformats.org/drawingml/2006/compatibility" xmlns:p14="http://schemas.microsoft.com/office/powerpoint/2010/main">
+  <p:cSld>
+    <p:spTree>
+      <p:nvGrpSpPr>
+        <p:cNvPr id="194" name="Shape 194"/>
+        <p:cNvGrpSpPr/>
+        <p:nvPr/>
+      </p:nvGrpSpPr>
+      <p:grpSpPr>
+        <a:xfrm>
+          <a:off x="0" y="0"/>
+          <a:ext cx="0" cy="0"/>
+          <a:chOff x="0" y="0"/>
+          <a:chExt cx="0" cy="0"/>
+        </a:xfrm>
+      </p:grpSpPr>
+      <p:sp>
+        <p:nvSpPr>
+          <p:cNvPr id="195" name="Shape 195"/>
+          <p:cNvSpPr txBox="1"/>
+          <p:nvPr>
+            <p:ph type="title"/>
+          </p:nvPr>
+        </p:nvSpPr>
+        <p:spPr>
+          <a:xfrm>
+            <a:off x="311700" y="410000"/>
+            <a:ext cx="8520600" cy="607800"/>
+          </a:xfrm>
+          <a:prstGeom prst="rect">
+            <a:avLst/>
+          </a:prstGeom>
+        </p:spPr>
+        <p:txBody>
+          <a:bodyPr anchorCtr="0" anchor="t" bIns="91425" lIns="91425" rIns="91425" tIns="91425">
+            <a:noAutofit/>
+          </a:bodyPr>
+          <a:lstStyle/>
+          <a:p>
+            <a:pPr lvl="0">
+              <a:spcBef>
+                <a:spcPts val="0"/>
+              </a:spcBef>
+              <a:buNone/>
+            </a:pPr>
+            <a:r>
+              <a:rPr lang="en"/>
+              <a:t>Time to talk about cats</a:t>
+            </a:r>
+          </a:p>
+        </p:txBody>
+      </p:sp>
+      <p:sp>
+        <p:nvSpPr>
+          <p:cNvPr id="196" name="Shape 196"/>
+          <p:cNvSpPr txBox="1"/>
+          <p:nvPr>
+            <p:ph idx="1" type="body"/>
+          </p:nvPr>
+        </p:nvSpPr>
+        <p:spPr>
+          <a:xfrm>
+            <a:off x="311700" y="1229875"/>
+            <a:ext cx="8520600" cy="3339000"/>
+          </a:xfrm>
+          <a:prstGeom prst="rect">
+            <a:avLst/>
+          </a:prstGeom>
+        </p:spPr>
+        <p:txBody>
+          <a:bodyPr anchorCtr="0" anchor="t" bIns="91425" lIns="91425" rIns="91425" tIns="91425">
+            <a:noAutofit/>
+          </a:bodyPr>
+          <a:lstStyle/>
+          <a:p>
+            <a:pPr lvl="0">
+              <a:spcBef>
+                <a:spcPts val="0"/>
+              </a:spcBef>
+              <a:buNone/>
+            </a:pPr>
+            <a:r>
+              <a:t/>
+            </a:r>
+            <a:endParaRPr/>
           </a:p>
         </p:txBody>
       </p:sp>
@@ -8365,6 +9231,522 @@
 </p:sld>
 </file>
 
+<file path=ppt/slides/slide20.xml><?xml version="1.0" encoding="utf-8"?>
+<p:sld xmlns:a="http://schemas.openxmlformats.org/drawingml/2006/main" xmlns:r="http://schemas.openxmlformats.org/officeDocument/2006/relationships" xmlns:mc="http://schemas.openxmlformats.org/markup-compatibility/2006" xmlns:mv="urn:schemas-microsoft-com:mac:vml" xmlns:p="http://schemas.openxmlformats.org/presentationml/2006/main" xmlns:c="http://schemas.openxmlformats.org/drawingml/2006/chart" xmlns:dgm="http://schemas.openxmlformats.org/drawingml/2006/diagram" xmlns:o="urn:schemas-microsoft-com:office:office" xmlns:v="urn:schemas-microsoft-com:vml" xmlns:pvml="urn:schemas-microsoft-com:office:powerpoint" xmlns:com="http://schemas.openxmlformats.org/drawingml/2006/compatibility" xmlns:p14="http://schemas.microsoft.com/office/powerpoint/2010/main">
+  <p:cSld>
+    <p:spTree>
+      <p:nvGrpSpPr>
+        <p:cNvPr id="200" name="Shape 200"/>
+        <p:cNvGrpSpPr/>
+        <p:nvPr/>
+      </p:nvGrpSpPr>
+      <p:grpSpPr>
+        <a:xfrm>
+          <a:off x="0" y="0"/>
+          <a:ext cx="0" cy="0"/>
+          <a:chOff x="0" y="0"/>
+          <a:chExt cx="0" cy="0"/>
+        </a:xfrm>
+      </p:grpSpPr>
+      <p:sp>
+        <p:nvSpPr>
+          <p:cNvPr id="201" name="Shape 201"/>
+          <p:cNvSpPr txBox="1"/>
+          <p:nvPr>
+            <p:ph type="title"/>
+          </p:nvPr>
+        </p:nvSpPr>
+        <p:spPr>
+          <a:xfrm>
+            <a:off x="311700" y="410000"/>
+            <a:ext cx="8520600" cy="607800"/>
+          </a:xfrm>
+          <a:prstGeom prst="rect">
+            <a:avLst/>
+          </a:prstGeom>
+        </p:spPr>
+        <p:txBody>
+          <a:bodyPr anchorCtr="0" anchor="t" bIns="91425" lIns="91425" rIns="91425" tIns="91425">
+            <a:noAutofit/>
+          </a:bodyPr>
+          <a:lstStyle/>
+          <a:p>
+            <a:pPr lvl="0">
+              <a:spcBef>
+                <a:spcPts val="0"/>
+              </a:spcBef>
+              <a:buNone/>
+            </a:pPr>
+            <a:r>
+              <a:rPr lang="en"/>
+              <a:t>Exercises/Cheatsheet of commands</a:t>
+            </a:r>
+          </a:p>
+        </p:txBody>
+      </p:sp>
+      <p:sp>
+        <p:nvSpPr>
+          <p:cNvPr id="202" name="Shape 202"/>
+          <p:cNvSpPr txBox="1"/>
+          <p:nvPr>
+            <p:ph idx="1" type="body"/>
+          </p:nvPr>
+        </p:nvSpPr>
+        <p:spPr>
+          <a:xfrm>
+            <a:off x="311700" y="1229875"/>
+            <a:ext cx="8520600" cy="3339000"/>
+          </a:xfrm>
+          <a:prstGeom prst="rect">
+            <a:avLst/>
+          </a:prstGeom>
+        </p:spPr>
+        <p:txBody>
+          <a:bodyPr anchorCtr="0" anchor="t" bIns="91425" lIns="91425" rIns="91425" tIns="91425">
+            <a:noAutofit/>
+          </a:bodyPr>
+          <a:lstStyle/>
+          <a:p>
+            <a:pPr lvl="0">
+              <a:spcBef>
+                <a:spcPts val="0"/>
+              </a:spcBef>
+              <a:buNone/>
+            </a:pPr>
+            <a:r>
+              <a:rPr lang="en"/>
+              <a:t>Write a query to print out the first and last day of the month in datetime format 3 months ago.</a:t>
+            </a:r>
+          </a:p>
+          <a:p>
+            <a:pPr lvl="0">
+              <a:spcBef>
+                <a:spcPts val="0"/>
+              </a:spcBef>
+              <a:buNone/>
+            </a:pPr>
+            <a:r>
+              <a:t/>
+            </a:r>
+            <a:endParaRPr/>
+          </a:p>
+          <a:p>
+            <a:pPr lvl="0">
+              <a:spcBef>
+                <a:spcPts val="0"/>
+              </a:spcBef>
+              <a:buNone/>
+            </a:pPr>
+            <a:r>
+              <a:rPr lang="en"/>
+              <a:t>http://cse.unl.edu/~sscott/ShowFiles/SQL/CheatSheet/SQLCheatSheet.html</a:t>
+            </a:r>
+          </a:p>
+        </p:txBody>
+      </p:sp>
+    </p:spTree>
+  </p:cSld>
+  <p:clrMapOvr>
+    <a:masterClrMapping/>
+  </p:clrMapOvr>
+</p:sld>
+</file>
+
+<file path=ppt/slides/slide21.xml><?xml version="1.0" encoding="utf-8"?>
+<p:sld xmlns:a="http://schemas.openxmlformats.org/drawingml/2006/main" xmlns:r="http://schemas.openxmlformats.org/officeDocument/2006/relationships" xmlns:mc="http://schemas.openxmlformats.org/markup-compatibility/2006" xmlns:mv="urn:schemas-microsoft-com:mac:vml" xmlns:p="http://schemas.openxmlformats.org/presentationml/2006/main" xmlns:c="http://schemas.openxmlformats.org/drawingml/2006/chart" xmlns:dgm="http://schemas.openxmlformats.org/drawingml/2006/diagram" xmlns:o="urn:schemas-microsoft-com:office:office" xmlns:v="urn:schemas-microsoft-com:vml" xmlns:pvml="urn:schemas-microsoft-com:office:powerpoint" xmlns:com="http://schemas.openxmlformats.org/drawingml/2006/compatibility" xmlns:p14="http://schemas.microsoft.com/office/powerpoint/2010/main">
+  <p:cSld>
+    <p:spTree>
+      <p:nvGrpSpPr>
+        <p:cNvPr id="206" name="Shape 206"/>
+        <p:cNvGrpSpPr/>
+        <p:nvPr/>
+      </p:nvGrpSpPr>
+      <p:grpSpPr>
+        <a:xfrm>
+          <a:off x="0" y="0"/>
+          <a:ext cx="0" cy="0"/>
+          <a:chOff x="0" y="0"/>
+          <a:chExt cx="0" cy="0"/>
+        </a:xfrm>
+      </p:grpSpPr>
+      <p:sp>
+        <p:nvSpPr>
+          <p:cNvPr id="207" name="Shape 207"/>
+          <p:cNvSpPr txBox="1"/>
+          <p:nvPr>
+            <p:ph type="title"/>
+          </p:nvPr>
+        </p:nvSpPr>
+        <p:spPr>
+          <a:xfrm>
+            <a:off x="311700" y="410000"/>
+            <a:ext cx="8520600" cy="607800"/>
+          </a:xfrm>
+          <a:prstGeom prst="rect">
+            <a:avLst/>
+          </a:prstGeom>
+        </p:spPr>
+        <p:txBody>
+          <a:bodyPr anchorCtr="0" anchor="t" bIns="91425" lIns="91425" rIns="91425" tIns="91425">
+            <a:noAutofit/>
+          </a:bodyPr>
+          <a:lstStyle/>
+          <a:p>
+            <a:pPr lvl="0">
+              <a:spcBef>
+                <a:spcPts val="0"/>
+              </a:spcBef>
+              <a:buNone/>
+            </a:pPr>
+            <a:r>
+              <a:rPr lang="en"/>
+              <a:t>SQL For “hacking”</a:t>
+            </a:r>
+          </a:p>
+        </p:txBody>
+      </p:sp>
+      <p:sp>
+        <p:nvSpPr>
+          <p:cNvPr id="208" name="Shape 208"/>
+          <p:cNvSpPr txBox="1"/>
+          <p:nvPr>
+            <p:ph idx="1" type="body"/>
+          </p:nvPr>
+        </p:nvSpPr>
+        <p:spPr>
+          <a:xfrm>
+            <a:off x="311700" y="1229875"/>
+            <a:ext cx="8520600" cy="3339000"/>
+          </a:xfrm>
+          <a:prstGeom prst="rect">
+            <a:avLst/>
+          </a:prstGeom>
+        </p:spPr>
+        <p:txBody>
+          <a:bodyPr anchorCtr="0" anchor="t" bIns="91425" lIns="91425" rIns="91425" tIns="91425">
+            <a:noAutofit/>
+          </a:bodyPr>
+          <a:lstStyle/>
+          <a:p>
+            <a:pPr lvl="0">
+              <a:spcBef>
+                <a:spcPts val="0"/>
+              </a:spcBef>
+              <a:buNone/>
+            </a:pPr>
+            <a:r>
+              <a:rPr lang="en"/>
+              <a:t>Some websites that use SQL Databases for </a:t>
+            </a:r>
+            <a:r>
+              <a:rPr lang="en"/>
+              <a:t>information</a:t>
+            </a:r>
+            <a:r>
+              <a:rPr lang="en"/>
+              <a:t> storage are vulnerable if user inputs aren’t handled. Hypothetically, if a website isn’t protected, it’s vulnerable to “SQL Injection”.</a:t>
+            </a:r>
+          </a:p>
+          <a:p>
+            <a:pPr lvl="0">
+              <a:spcBef>
+                <a:spcPts val="0"/>
+              </a:spcBef>
+              <a:buNone/>
+            </a:pPr>
+            <a:r>
+              <a:t/>
+            </a:r>
+            <a:endParaRPr/>
+          </a:p>
+          <a:p>
+            <a:pPr lvl="0">
+              <a:spcBef>
+                <a:spcPts val="0"/>
+              </a:spcBef>
+              <a:buNone/>
+            </a:pPr>
+            <a:r>
+              <a:rPr lang="en"/>
+              <a:t>Through a login screen, you could use a long string of code to either delete all the user accounts or </a:t>
+            </a:r>
+            <a:r>
+              <a:rPr lang="en"/>
+              <a:t>retrieve</a:t>
+            </a:r>
+            <a:r>
+              <a:rPr lang="en"/>
+              <a:t> their information.</a:t>
+            </a:r>
+          </a:p>
+          <a:p>
+            <a:pPr lvl="0">
+              <a:spcBef>
+                <a:spcPts val="0"/>
+              </a:spcBef>
+              <a:buNone/>
+            </a:pPr>
+            <a:r>
+              <a:t/>
+            </a:r>
+            <a:endParaRPr/>
+          </a:p>
+          <a:p>
+            <a:pPr lvl="0">
+              <a:spcBef>
+                <a:spcPts val="0"/>
+              </a:spcBef>
+              <a:buNone/>
+            </a:pPr>
+            <a:r>
+              <a:t/>
+            </a:r>
+            <a:endParaRPr/>
+          </a:p>
+        </p:txBody>
+      </p:sp>
+    </p:spTree>
+  </p:cSld>
+  <p:clrMapOvr>
+    <a:masterClrMapping/>
+  </p:clrMapOvr>
+</p:sld>
+</file>
+
+<file path=ppt/slides/slide22.xml><?xml version="1.0" encoding="utf-8"?>
+<p:sld xmlns:a="http://schemas.openxmlformats.org/drawingml/2006/main" xmlns:r="http://schemas.openxmlformats.org/officeDocument/2006/relationships" xmlns:mc="http://schemas.openxmlformats.org/markup-compatibility/2006" xmlns:mv="urn:schemas-microsoft-com:mac:vml" xmlns:p="http://schemas.openxmlformats.org/presentationml/2006/main" xmlns:c="http://schemas.openxmlformats.org/drawingml/2006/chart" xmlns:dgm="http://schemas.openxmlformats.org/drawingml/2006/diagram" xmlns:o="urn:schemas-microsoft-com:office:office" xmlns:v="urn:schemas-microsoft-com:vml" xmlns:pvml="urn:schemas-microsoft-com:office:powerpoint" xmlns:com="http://schemas.openxmlformats.org/drawingml/2006/compatibility" xmlns:p14="http://schemas.microsoft.com/office/powerpoint/2010/main">
+  <p:cSld>
+    <p:spTree>
+      <p:nvGrpSpPr>
+        <p:cNvPr id="212" name="Shape 212"/>
+        <p:cNvGrpSpPr/>
+        <p:nvPr/>
+      </p:nvGrpSpPr>
+      <p:grpSpPr>
+        <a:xfrm>
+          <a:off x="0" y="0"/>
+          <a:ext cx="0" cy="0"/>
+          <a:chOff x="0" y="0"/>
+          <a:chExt cx="0" cy="0"/>
+        </a:xfrm>
+      </p:grpSpPr>
+      <p:sp>
+        <p:nvSpPr>
+          <p:cNvPr id="213" name="Shape 213"/>
+          <p:cNvSpPr txBox="1"/>
+          <p:nvPr>
+            <p:ph type="title"/>
+          </p:nvPr>
+        </p:nvSpPr>
+        <p:spPr>
+          <a:xfrm>
+            <a:off x="311700" y="410000"/>
+            <a:ext cx="8520600" cy="607800"/>
+          </a:xfrm>
+          <a:prstGeom prst="rect">
+            <a:avLst/>
+          </a:prstGeom>
+        </p:spPr>
+        <p:txBody>
+          <a:bodyPr anchorCtr="0" anchor="t" bIns="91425" lIns="91425" rIns="91425" tIns="91425">
+            <a:noAutofit/>
+          </a:bodyPr>
+          <a:lstStyle/>
+          <a:p>
+            <a:pPr lvl="0">
+              <a:spcBef>
+                <a:spcPts val="0"/>
+              </a:spcBef>
+              <a:buNone/>
+            </a:pPr>
+            <a:r>
+              <a:rPr lang="en" sz="2600"/>
+              <a:t>Relational Databases(SQL) vs Non-Relational(NoSQL)</a:t>
+            </a:r>
+          </a:p>
+        </p:txBody>
+      </p:sp>
+      <p:sp>
+        <p:nvSpPr>
+          <p:cNvPr id="214" name="Shape 214"/>
+          <p:cNvSpPr txBox="1"/>
+          <p:nvPr>
+            <p:ph idx="1" type="body"/>
+          </p:nvPr>
+        </p:nvSpPr>
+        <p:spPr>
+          <a:xfrm>
+            <a:off x="311700" y="1229975"/>
+            <a:ext cx="3999900" cy="3339000"/>
+          </a:xfrm>
+          <a:prstGeom prst="rect">
+            <a:avLst/>
+          </a:prstGeom>
+        </p:spPr>
+        <p:txBody>
+          <a:bodyPr anchorCtr="0" anchor="t" bIns="91425" lIns="91425" rIns="91425" tIns="91425">
+            <a:noAutofit/>
+          </a:bodyPr>
+          <a:lstStyle/>
+          <a:p>
+            <a:pPr lvl="0" rtl="0">
+              <a:spcBef>
+                <a:spcPts val="0"/>
+              </a:spcBef>
+              <a:buNone/>
+            </a:pPr>
+            <a:r>
+              <a:rPr lang="en"/>
+              <a:t>Relational</a:t>
+            </a:r>
+          </a:p>
+          <a:p>
+            <a:pPr indent="-228600" lvl="0" marL="457200" rtl="0">
+              <a:spcBef>
+                <a:spcPts val="0"/>
+              </a:spcBef>
+            </a:pPr>
+            <a:r>
+              <a:rPr b="1" lang="en"/>
+              <a:t>Data collection is moving further than traditional numbers</a:t>
+            </a:r>
+            <a:r>
+              <a:rPr lang="en"/>
+              <a:t>. Data types could be tweets, videos, podcasts, etc. These can slow development immensely</a:t>
+            </a:r>
+          </a:p>
+          <a:p>
+            <a:pPr indent="-228600" lvl="0" marL="457200" rtl="0">
+              <a:spcBef>
+                <a:spcPts val="0"/>
+              </a:spcBef>
+            </a:pPr>
+            <a:r>
+              <a:rPr b="1" lang="en"/>
+              <a:t>Scaling is difficult in a relational database.</a:t>
+            </a:r>
+            <a:r>
+              <a:rPr lang="en"/>
+              <a:t> As your dataset includes languages and becomes accessible in different countries, it can become costly.</a:t>
+            </a:r>
+          </a:p>
+          <a:p>
+            <a:pPr indent="-228600" lvl="0" marL="457200">
+              <a:spcBef>
+                <a:spcPts val="0"/>
+              </a:spcBef>
+            </a:pPr>
+            <a:r>
+              <a:rPr b="1" lang="en"/>
+              <a:t>Handles (some) complicated querying better. </a:t>
+            </a:r>
+            <a:r>
+              <a:rPr lang="en"/>
+              <a:t>Things such as transacitons and routine analysis work reliably well inside of SQL</a:t>
+            </a:r>
+          </a:p>
+        </p:txBody>
+      </p:sp>
+      <p:sp>
+        <p:nvSpPr>
+          <p:cNvPr id="215" name="Shape 215"/>
+          <p:cNvSpPr txBox="1"/>
+          <p:nvPr>
+            <p:ph idx="2" type="body"/>
+          </p:nvPr>
+        </p:nvSpPr>
+        <p:spPr>
+          <a:xfrm>
+            <a:off x="4832400" y="1229975"/>
+            <a:ext cx="3999900" cy="3339000"/>
+          </a:xfrm>
+          <a:prstGeom prst="rect">
+            <a:avLst/>
+          </a:prstGeom>
+        </p:spPr>
+        <p:txBody>
+          <a:bodyPr anchorCtr="0" anchor="t" bIns="91425" lIns="91425" rIns="91425" tIns="91425">
+            <a:noAutofit/>
+          </a:bodyPr>
+          <a:lstStyle/>
+          <a:p>
+            <a:pPr lvl="0" rtl="0">
+              <a:spcBef>
+                <a:spcPts val="0"/>
+              </a:spcBef>
+              <a:buNone/>
+            </a:pPr>
+            <a:r>
+              <a:rPr lang="en"/>
+              <a:t>Non-Relational</a:t>
+            </a:r>
+          </a:p>
+          <a:p>
+            <a:pPr indent="-228600" lvl="0" marL="457200" rtl="0">
+              <a:spcBef>
+                <a:spcPts val="0"/>
+              </a:spcBef>
+            </a:pPr>
+            <a:r>
+              <a:rPr b="1" lang="en"/>
+              <a:t>Can incorporate any style of data and can adjust to changing data types. </a:t>
+            </a:r>
+          </a:p>
+          <a:p>
+            <a:pPr indent="-228600" lvl="0" marL="457200" rtl="0">
+              <a:spcBef>
+                <a:spcPts val="0"/>
+              </a:spcBef>
+            </a:pPr>
+            <a:r>
+              <a:rPr b="1" lang="en"/>
+              <a:t>Can adjust to the size of the audience and span of data.</a:t>
+            </a:r>
+            <a:r>
+              <a:rPr lang="en"/>
+              <a:t> This is due to scaling being automatic with the nonrelation model</a:t>
+            </a:r>
+          </a:p>
+          <a:p>
+            <a:pPr indent="-228600" lvl="0" marL="457200" rtl="0">
+              <a:spcBef>
+                <a:spcPts val="0"/>
+              </a:spcBef>
+            </a:pPr>
+            <a:r>
+              <a:rPr b="1" lang="en"/>
+              <a:t>Things must be done manually.</a:t>
+            </a:r>
+            <a:r>
+              <a:rPr lang="en"/>
+              <a:t> This includes joining data and doing things like operating transactions. </a:t>
+            </a:r>
+          </a:p>
+          <a:p>
+            <a:pPr indent="-228600" lvl="0" marL="457200">
+              <a:spcBef>
+                <a:spcPts val="0"/>
+              </a:spcBef>
+            </a:pPr>
+            <a:r>
+              <a:rPr b="1" lang="en"/>
+              <a:t>Not at risk of SQL injection attacks.</a:t>
+            </a:r>
+            <a:r>
+              <a:rPr lang="en"/>
+              <a:t> This is because non-relationals are “schema-less”</a:t>
+            </a:r>
+          </a:p>
+        </p:txBody>
+      </p:sp>
+    </p:spTree>
+  </p:cSld>
+  <p:clrMapOvr>
+    <a:masterClrMapping/>
+  </p:clrMapOvr>
+</p:sld>
+</file>
+
 <file path=ppt/slides/slide3.xml><?xml version="1.0" encoding="utf-8"?>
 <p:sld xmlns:a="http://schemas.openxmlformats.org/drawingml/2006/main" xmlns:r="http://schemas.openxmlformats.org/officeDocument/2006/relationships" xmlns:mc="http://schemas.openxmlformats.org/markup-compatibility/2006" xmlns:mv="urn:schemas-microsoft-com:mac:vml" xmlns:p="http://schemas.openxmlformats.org/presentationml/2006/main" xmlns:c="http://schemas.openxmlformats.org/drawingml/2006/chart" xmlns:dgm="http://schemas.openxmlformats.org/drawingml/2006/diagram" xmlns:o="urn:schemas-microsoft-com:office:office" xmlns:v="urn:schemas-microsoft-com:vml" xmlns:pvml="urn:schemas-microsoft-com:office:powerpoint" xmlns:com="http://schemas.openxmlformats.org/drawingml/2006/compatibility" xmlns:p14="http://schemas.microsoft.com/office/powerpoint/2010/main">
   <p:cSld>
@@ -8483,122 +9865,6 @@
             <a:r>
               <a:rPr lang="en" sz="1400"/>
               <a:t>Root password is important! Save it somewhere</a:t>
-            </a:r>
-          </a:p>
-          <a:p>
-            <a:pPr indent="-317500" lvl="0" marL="457200" rtl="0">
-              <a:spcBef>
-                <a:spcPts val="0"/>
-              </a:spcBef>
-              <a:buSzPct val="100000"/>
-            </a:pPr>
-            <a:r>
-              <a:rPr lang="en" sz="1400"/>
-              <a:t>If on mac, update path variable = “</a:t>
-            </a:r>
-            <a:r>
-              <a:rPr i="1" lang="en" sz="1400"/>
-              <a:t>export PATH=${PATH}:/usr/local/mysql/bin/</a:t>
-            </a:r>
-            <a:r>
-              <a:rPr lang="en" sz="1400"/>
-              <a:t>”</a:t>
-            </a:r>
-          </a:p>
-          <a:p>
-            <a:pPr indent="-228600" lvl="1" marL="914400" rtl="0">
-              <a:spcBef>
-                <a:spcPts val="0"/>
-              </a:spcBef>
-            </a:pPr>
-            <a:r>
-              <a:rPr lang="en"/>
-              <a:t>Go to SystemPreferences </a:t>
-            </a:r>
-            <a:r>
-              <a:rPr lang="en"/>
-              <a:t>→ </a:t>
-            </a:r>
-            <a:r>
-              <a:rPr lang="en"/>
-              <a:t> MySQL </a:t>
-            </a:r>
-            <a:r>
-              <a:rPr lang="en"/>
-              <a:t>→ </a:t>
-            </a:r>
-            <a:r>
-              <a:rPr lang="en"/>
-              <a:t>Connect</a:t>
-            </a:r>
-          </a:p>
-          <a:p>
-            <a:pPr indent="-228600" lvl="1" marL="914400" rtl="0">
-              <a:spcBef>
-                <a:spcPts val="0"/>
-              </a:spcBef>
-            </a:pPr>
-            <a:r>
-              <a:rPr lang="en"/>
-              <a:t>In terminal </a:t>
-            </a:r>
-            <a:r>
-              <a:rPr i="1" lang="en"/>
-              <a:t>mysql -u root -p </a:t>
-            </a:r>
-            <a:r>
-              <a:rPr lang="en"/>
-              <a:t>(Login with root </a:t>
-            </a:r>
-            <a:r>
-              <a:rPr lang="en"/>
-              <a:t>password</a:t>
-            </a:r>
-            <a:r>
-              <a:rPr lang="en"/>
-              <a:t> given on </a:t>
-            </a:r>
-            <a:r>
-              <a:rPr lang="en"/>
-              <a:t>installation</a:t>
-            </a:r>
-            <a:r>
-              <a:rPr lang="en"/>
-              <a:t>)</a:t>
-            </a:r>
-          </a:p>
-          <a:p>
-            <a:pPr indent="-317500" lvl="0" marL="457200" rtl="0">
-              <a:spcBef>
-                <a:spcPts val="0"/>
-              </a:spcBef>
-              <a:buSzPct val="100000"/>
-            </a:pPr>
-            <a:r>
-              <a:rPr lang="en" sz="1400"/>
-              <a:t>Change password</a:t>
-            </a:r>
-          </a:p>
-          <a:p>
-            <a:pPr indent="-228600" lvl="1" marL="914400" rtl="0">
-              <a:spcBef>
-                <a:spcPts val="0"/>
-              </a:spcBef>
-            </a:pPr>
-            <a:r>
-              <a:rPr lang="en"/>
-              <a:t>ALTER USER ‘root’@’localhost’</a:t>
-            </a:r>
-          </a:p>
-          <a:p>
-            <a:pPr indent="-228600" lvl="2" marL="1371600" rtl="0">
-              <a:spcBef>
-                <a:spcPts val="0"/>
-              </a:spcBef>
-            </a:pPr>
-            <a:r>
-              <a:rPr lang="en"/>
-              <a:t>IDENTIFIED BY ‘newpassword’;</a:t>
             </a:r>
           </a:p>
           <a:p>
@@ -8709,9 +9975,9 @@
               <a:buNone/>
             </a:pPr>
             <a:r>
-              <a:rPr lang="en"/>
-              <a:t>Terminology</a:t>
-            </a:r>
+              <a:t/>
+            </a:r>
+            <a:endParaRPr/>
           </a:p>
         </p:txBody>
       </p:sp>
@@ -8738,84 +10004,7 @@
           </a:bodyPr>
           <a:lstStyle/>
           <a:p>
-            <a:pPr indent="-228600" lvl="0" marL="457200" rtl="0">
-              <a:spcBef>
-                <a:spcPts val="0"/>
-              </a:spcBef>
-            </a:pPr>
-            <a:r>
-              <a:rPr lang="en"/>
-              <a:t>Server- Where all the databases are held</a:t>
-            </a:r>
-          </a:p>
-          <a:p>
-            <a:pPr indent="-228600" lvl="0" marL="457200" rtl="0">
-              <a:spcBef>
-                <a:spcPts val="0"/>
-              </a:spcBef>
-            </a:pPr>
-            <a:r>
-              <a:rPr lang="en"/>
-              <a:t>Database- collection of tables on a server (think of this like a folder)</a:t>
-            </a:r>
-          </a:p>
-          <a:p>
-            <a:pPr indent="-228600" lvl="0" marL="457200" rtl="0">
-              <a:spcBef>
-                <a:spcPts val="0"/>
-              </a:spcBef>
-            </a:pPr>
-            <a:r>
-              <a:rPr lang="en"/>
-              <a:t>Table- 2D collection of data in columns and rows (think like a spreadsheet)</a:t>
-            </a:r>
-          </a:p>
-          <a:p>
-            <a:pPr indent="-228600" lvl="1" marL="914400" rtl="0">
-              <a:spcBef>
-                <a:spcPts val="0"/>
-              </a:spcBef>
-            </a:pPr>
-            <a:r>
-              <a:rPr lang="en"/>
-              <a:t>Example: Inside the database Weather you would find the table ‘East Coast’ which could have the columnns for ‘city’, ‘state’, ‘hightemp’, ‘lowtemp’, etc.</a:t>
-            </a:r>
-          </a:p>
-          <a:p>
-            <a:pPr indent="-228600" lvl="0" marL="457200" rtl="0">
-              <a:spcBef>
-                <a:spcPts val="0"/>
-              </a:spcBef>
-            </a:pPr>
-            <a:r>
-              <a:rPr lang="en"/>
-              <a:t>Query- to request information from the database</a:t>
-            </a:r>
-          </a:p>
-          <a:p>
-            <a:pPr indent="-228600" lvl="0" marL="457200" rtl="0">
-              <a:spcBef>
-                <a:spcPts val="0"/>
-              </a:spcBef>
-            </a:pPr>
-            <a:r>
-              <a:rPr lang="en"/>
-              <a:t>Primary Key- Unique for table</a:t>
-            </a:r>
-          </a:p>
-          <a:p>
-            <a:pPr indent="-228600" lvl="0" marL="457200" rtl="0">
-              <a:spcBef>
-                <a:spcPts val="0"/>
-              </a:spcBef>
-            </a:pPr>
-            <a:r>
-              <a:rPr lang="en"/>
-              <a:t>Foreign Key- Connects two tables</a:t>
-            </a:r>
-          </a:p>
-          <a:p>
-            <a:pPr lvl="0" rtl="0">
+            <a:pPr lvl="0">
               <a:spcBef>
                 <a:spcPts val="0"/>
               </a:spcBef>
@@ -8883,9 +10072,9 @@
               <a:buNone/>
             </a:pPr>
             <a:r>
-              <a:rPr lang="en"/>
-              <a:t>Uses</a:t>
-            </a:r>
+              <a:t/>
+            </a:r>
+            <a:endParaRPr/>
           </a:p>
         </p:txBody>
       </p:sp>
@@ -8912,71 +10101,16 @@
           </a:bodyPr>
           <a:lstStyle/>
           <a:p>
-            <a:pPr indent="-228600" lvl="0" marL="457200" rtl="0">
-              <a:spcBef>
-                <a:spcPts val="0"/>
-              </a:spcBef>
-            </a:pPr>
-            <a:r>
-              <a:rPr lang="en"/>
-              <a:t>SQL can create databases and tables on a server and communicate with said server</a:t>
-            </a:r>
-          </a:p>
-          <a:p>
-            <a:pPr indent="-228600" lvl="0" marL="457200" rtl="0">
-              <a:spcBef>
-                <a:spcPts val="0"/>
-              </a:spcBef>
-            </a:pPr>
-            <a:r>
-              <a:rPr lang="en"/>
-              <a:t>Most widely implemented database language</a:t>
-            </a:r>
-          </a:p>
-          <a:p>
-            <a:pPr indent="-228600" lvl="0" marL="457200" rtl="0">
-              <a:spcBef>
-                <a:spcPts val="0"/>
-              </a:spcBef>
-            </a:pPr>
-            <a:r>
-              <a:rPr lang="en"/>
-              <a:t>Literally anything a spreadsheet can do and more</a:t>
-            </a:r>
-          </a:p>
-          <a:p>
-            <a:pPr lvl="0" rtl="0">
+            <a:pPr lvl="0">
               <a:spcBef>
                 <a:spcPts val="0"/>
               </a:spcBef>
               <a:buNone/>
             </a:pPr>
             <a:r>
-              <a:rPr lang="en"/>
-              <a:t>SQL Skills are SUPER desirable!</a:t>
-            </a:r>
-          </a:p>
-          <a:p>
-            <a:pPr indent="-228600" lvl="0" marL="457200" rtl="0">
-              <a:spcBef>
-                <a:spcPts val="0"/>
-              </a:spcBef>
-            </a:pPr>
-            <a:r>
-              <a:rPr lang="en"/>
-              <a:t>Backend Developer, Database admin, data analyst, and data scientists are all SQL heavy jobs</a:t>
-            </a:r>
-          </a:p>
-          <a:p>
-            <a:pPr indent="-228600" lvl="0" marL="457200">
-              <a:spcBef>
-                <a:spcPts val="0"/>
-              </a:spcBef>
-            </a:pPr>
-            <a:r>
-              <a:rPr lang="en"/>
-              <a:t>50,705 jobs were advertised in 2015 that required SQL knowledge</a:t>
-            </a:r>
+              <a:t/>
+            </a:r>
+            <a:endParaRPr/>
           </a:p>
         </p:txBody>
       </p:sp>
@@ -9035,9 +10169,9 @@
               <a:buNone/>
             </a:pPr>
             <a:r>
-              <a:rPr lang="en"/>
-              <a:t>Other Uses		</a:t>
-            </a:r>
+              <a:t/>
+            </a:r>
+            <a:endParaRPr/>
           </a:p>
         </p:txBody>
       </p:sp>
@@ -9064,81 +10198,16 @@
           </a:bodyPr>
           <a:lstStyle/>
           <a:p>
-            <a:pPr indent="-228600" lvl="0" marL="457200" rtl="0">
-              <a:spcBef>
-                <a:spcPts val="0"/>
-              </a:spcBef>
-            </a:pPr>
-            <a:r>
-              <a:rPr lang="en"/>
-              <a:t>Can intergrate with:</a:t>
-            </a:r>
-          </a:p>
-          <a:p>
-            <a:pPr indent="-228600" lvl="1" marL="914400" rtl="0">
-              <a:spcBef>
-                <a:spcPts val="0"/>
-              </a:spcBef>
-            </a:pPr>
-            <a:r>
-              <a:rPr lang="en"/>
-              <a:t>C#</a:t>
-            </a:r>
-          </a:p>
-          <a:p>
-            <a:pPr indent="-228600" lvl="1" marL="914400" rtl="0">
-              <a:spcBef>
-                <a:spcPts val="0"/>
-              </a:spcBef>
-            </a:pPr>
-            <a:r>
-              <a:rPr lang="en"/>
-              <a:t>PHP</a:t>
-            </a:r>
-          </a:p>
-          <a:p>
-            <a:pPr indent="-228600" lvl="1" marL="914400" rtl="0">
-              <a:spcBef>
-                <a:spcPts val="0"/>
-              </a:spcBef>
-            </a:pPr>
-            <a:r>
-              <a:rPr lang="en"/>
-              <a:t>Java</a:t>
-            </a:r>
-          </a:p>
-          <a:p>
-            <a:pPr indent="-228600" lvl="1" marL="914400" rtl="0">
-              <a:spcBef>
-                <a:spcPts val="0"/>
-              </a:spcBef>
-            </a:pPr>
-            <a:r>
-              <a:rPr lang="en"/>
-              <a:t>C++</a:t>
-            </a:r>
-          </a:p>
-          <a:p>
-            <a:pPr indent="-228600" lvl="1" marL="914400" rtl="0">
-              <a:spcBef>
-                <a:spcPts val="0"/>
-              </a:spcBef>
-            </a:pPr>
-            <a:r>
-              <a:rPr lang="en"/>
-              <a:t>Python</a:t>
-            </a:r>
-          </a:p>
-          <a:p>
-            <a:pPr indent="-228600" lvl="0" marL="457200" rtl="0">
-              <a:spcBef>
-                <a:spcPts val="0"/>
-              </a:spcBef>
-            </a:pPr>
-            <a:r>
-              <a:rPr lang="en"/>
-              <a:t>Popular in Model-View-Presenter/Model-View-Controller Applications in conjuction with AJAX+JavaScript</a:t>
-            </a:r>
+            <a:pPr lvl="0">
+              <a:spcBef>
+                <a:spcPts val="0"/>
+              </a:spcBef>
+              <a:buNone/>
+            </a:pPr>
+            <a:r>
+              <a:t/>
+            </a:r>
+            <a:endParaRPr/>
           </a:p>
         </p:txBody>
       </p:sp>
@@ -9198,7 +10267,7 @@
             </a:pPr>
             <a:r>
               <a:rPr lang="en"/>
-              <a:t>Relational Database Management System</a:t>
+              <a:t>How to get mySQL on Mac OSX</a:t>
             </a:r>
           </a:p>
         </p:txBody>
@@ -9226,6 +10295,163 @@
           </a:bodyPr>
           <a:lstStyle/>
           <a:p>
+            <a:pPr indent="-317500" lvl="0" marL="457200" rtl="0">
+              <a:spcBef>
+                <a:spcPts val="0"/>
+              </a:spcBef>
+              <a:buSzPct val="100000"/>
+            </a:pPr>
+            <a:r>
+              <a:rPr lang="en" sz="1400" u="sng">
+                <a:solidFill>
+                  <a:schemeClr val="accent5"/>
+                </a:solidFill>
+                <a:hlinkClick r:id="rId3"/>
+              </a:rPr>
+              <a:t>https://dev.mysql.com/doc/refman/5.6/en/osx-installation-pkg.html</a:t>
+            </a:r>
+            <a:r>
+              <a:rPr lang="en" sz="1400"/>
+              <a:t> help for Mac users</a:t>
+            </a:r>
+          </a:p>
+          <a:p>
+            <a:pPr indent="-317500" lvl="0" marL="457200" rtl="0">
+              <a:spcBef>
+                <a:spcPts val="0"/>
+              </a:spcBef>
+              <a:buSzPct val="100000"/>
+            </a:pPr>
+            <a:r>
+              <a:rPr lang="en" sz="1400" u="sng">
+                <a:solidFill>
+                  <a:schemeClr val="hlink"/>
+                </a:solidFill>
+                <a:hlinkClick r:id="rId4"/>
+              </a:rPr>
+              <a:t>https://dev.mysql.com/downloads/mysql/</a:t>
+            </a:r>
+            <a:r>
+              <a:rPr lang="en" sz="1400"/>
+              <a:t> Change dropdown to Mac and download .dmg file</a:t>
+            </a:r>
+          </a:p>
+          <a:p>
+            <a:pPr indent="-317500" lvl="0" marL="457200" rtl="0">
+              <a:spcBef>
+                <a:spcPts val="0"/>
+              </a:spcBef>
+              <a:buSzPct val="100000"/>
+            </a:pPr>
+            <a:r>
+              <a:rPr lang="en" sz="1400"/>
+              <a:t>WRITE DOWN YOUR ROOT PASSWORD</a:t>
+            </a:r>
+          </a:p>
+          <a:p>
+            <a:pPr indent="-317500" lvl="0" marL="457200" rtl="0">
+              <a:spcBef>
+                <a:spcPts val="0"/>
+              </a:spcBef>
+              <a:buSzPct val="100000"/>
+            </a:pPr>
+            <a:r>
+              <a:rPr lang="en" sz="1400"/>
+              <a:t>Update path variable by typing this into terminal: “</a:t>
+            </a:r>
+            <a:r>
+              <a:rPr i="1" lang="en" sz="1400"/>
+              <a:t>export PATH=${PATH}:/usr/local/mysql/bin/</a:t>
+            </a:r>
+            <a:r>
+              <a:rPr lang="en" sz="1400"/>
+              <a:t>”</a:t>
+            </a:r>
+          </a:p>
+          <a:p>
+            <a:pPr indent="-228600" lvl="1" marL="914400" rtl="0">
+              <a:spcBef>
+                <a:spcPts val="0"/>
+              </a:spcBef>
+            </a:pPr>
+            <a:r>
+              <a:rPr lang="en"/>
+              <a:t>Go to SystemPreferences →  MySQL → Connect</a:t>
+            </a:r>
+          </a:p>
+          <a:p>
+            <a:pPr indent="-228600" lvl="1" marL="914400" rtl="0">
+              <a:spcBef>
+                <a:spcPts val="0"/>
+              </a:spcBef>
+            </a:pPr>
+            <a:r>
+              <a:rPr lang="en"/>
+              <a:t>In terminal </a:t>
+            </a:r>
+            <a:r>
+              <a:rPr i="1" lang="en"/>
+              <a:t>mysql -u root -p </a:t>
+            </a:r>
+            <a:r>
+              <a:rPr lang="en"/>
+              <a:t>(Login with root password given on installation)</a:t>
+            </a:r>
+          </a:p>
+          <a:p>
+            <a:pPr indent="-317500" lvl="0" marL="457200" rtl="0">
+              <a:spcBef>
+                <a:spcPts val="0"/>
+              </a:spcBef>
+              <a:buSzPct val="100000"/>
+            </a:pPr>
+            <a:r>
+              <a:rPr lang="en" sz="1400"/>
+              <a:t>To change your root password (after doing the above </a:t>
+            </a:r>
+            <a:r>
+              <a:rPr i="1" lang="en" sz="1400"/>
+              <a:t>mysql -u root -p </a:t>
+            </a:r>
+            <a:r>
+              <a:rPr lang="en" sz="1400"/>
+              <a:t>command) type the following</a:t>
+            </a:r>
+          </a:p>
+          <a:p>
+            <a:pPr indent="-228600" lvl="1" marL="914400" rtl="0">
+              <a:spcBef>
+                <a:spcPts val="0"/>
+              </a:spcBef>
+            </a:pPr>
+            <a:r>
+              <a:rPr lang="en"/>
+              <a:t>ALTER USER ‘root’@’localhost’</a:t>
+            </a:r>
+          </a:p>
+          <a:p>
+            <a:pPr indent="-228600" lvl="2" marL="1371600" rtl="0">
+              <a:spcBef>
+                <a:spcPts val="0"/>
+              </a:spcBef>
+            </a:pPr>
+            <a:r>
+              <a:rPr lang="en"/>
+              <a:t>IDENTIFIED BY ‘newpassword’;</a:t>
+            </a:r>
+          </a:p>
+          <a:p>
+            <a:pPr indent="-228600" lvl="3" marL="1828800" rtl="0">
+              <a:spcBef>
+                <a:spcPts val="0"/>
+              </a:spcBef>
+            </a:pPr>
+            <a:r>
+              <a:rPr lang="en"/>
+              <a:t>‘newpassword’ will now be your new password.</a:t>
+            </a:r>
+          </a:p>
+          <a:p>
             <a:pPr lvl="0">
               <a:spcBef>
                 <a:spcPts val="0"/>
@@ -9239,34 +10465,6 @@
           </a:p>
         </p:txBody>
       </p:sp>
-      <p:pic>
-        <p:nvPicPr>
-          <p:cNvPr id="123" name="Shape 123"/>
-          <p:cNvPicPr preferRelativeResize="0"/>
-          <p:nvPr/>
-        </p:nvPicPr>
-        <p:blipFill>
-          <a:blip r:embed="rId3">
-            <a:alphaModFix/>
-          </a:blip>
-          <a:stretch>
-            <a:fillRect/>
-          </a:stretch>
-        </p:blipFill>
-        <p:spPr>
-          <a:xfrm>
-            <a:off x="1423975" y="1200150"/>
-            <a:ext cx="6296025" cy="2743200"/>
-          </a:xfrm>
-          <a:prstGeom prst="rect">
-            <a:avLst/>
-          </a:prstGeom>
-          <a:noFill/>
-          <a:ln>
-            <a:noFill/>
-          </a:ln>
-        </p:spPr>
-      </p:pic>
     </p:spTree>
   </p:cSld>
   <p:clrMapOvr>
@@ -9280,7 +10478,7 @@
   <p:cSld>
     <p:spTree>
       <p:nvGrpSpPr>
-        <p:cNvPr id="127" name="Shape 127"/>
+        <p:cNvPr id="126" name="Shape 126"/>
         <p:cNvGrpSpPr/>
         <p:nvPr/>
       </p:nvGrpSpPr>
@@ -9294,7 +10492,7 @@
       </p:grpSpPr>
       <p:sp>
         <p:nvSpPr>
-          <p:cNvPr id="128" name="Shape 128"/>
+          <p:cNvPr id="127" name="Shape 127"/>
           <p:cNvSpPr txBox="1"/>
           <p:nvPr>
             <p:ph type="title"/>
@@ -9323,14 +10521,14 @@
             </a:pPr>
             <a:r>
               <a:rPr lang="en"/>
-              <a:t>Types and Typing		</a:t>
+              <a:t>Terminology</a:t>
             </a:r>
           </a:p>
         </p:txBody>
       </p:sp>
       <p:sp>
         <p:nvSpPr>
-          <p:cNvPr id="129" name="Shape 129"/>
+          <p:cNvPr id="128" name="Shape 128"/>
           <p:cNvSpPr txBox="1"/>
           <p:nvPr>
             <p:ph idx="1" type="body"/>
@@ -9358,11 +10556,7 @@
             </a:pPr>
             <a:r>
               <a:rPr lang="en"/>
-              <a:t>INT</a:t>
-            </a:r>
-            <a:r>
-              <a:rPr lang="en"/>
-              <a:t>(signed or unsigned)</a:t>
+              <a:t>Server- Where all the databases are held</a:t>
             </a:r>
           </a:p>
           <a:p>
@@ -9373,7 +10567,7 @@
             </a:pPr>
             <a:r>
               <a:rPr lang="en"/>
-              <a:t>TINYINT (Signed or unsigned) (-128 to 127 / 0 to 255)</a:t>
+              <a:t>Database- collection of tables on a server (think of this like a folder)</a:t>
             </a:r>
           </a:p>
           <a:p>
@@ -9384,7 +10578,18 @@
             </a:pPr>
             <a:r>
               <a:rPr lang="en"/>
-              <a:t>SMALLINT (signed or unsigned) (-32768 to 32767 / 0-65535)</a:t>
+              <a:t>Table- 2D collection of data in columns and rows (think like a spreadsheet)</a:t>
+            </a:r>
+          </a:p>
+          <a:p>
+            <a:pPr indent="-228600" lvl="1" marL="914400" rtl="0">
+              <a:spcBef>
+                <a:spcPts val="0"/>
+              </a:spcBef>
+            </a:pPr>
+            <a:r>
+              <a:rPr lang="en"/>
+              <a:t>Example: Inside the database Weather you would find the table ‘East Coast’ which could have the columns for ‘city’, ‘state’, ‘hightemp’, ‘lowtemp’, etc.</a:t>
             </a:r>
           </a:p>
           <a:p>
@@ -9395,7 +10600,7 @@
             </a:pPr>
             <a:r>
               <a:rPr lang="en"/>
-              <a:t>MEDIUMINT (Signed or Unsigned)(-8388608 to 8388607 / 0 to 16777215)</a:t>
+              <a:t>Query- to request information from the database</a:t>
             </a:r>
           </a:p>
           <a:p>
@@ -9406,7 +10611,7 @@
             </a:pPr>
             <a:r>
               <a:rPr lang="en"/>
-              <a:t>BIGINT (Signed or unsigned) (pretty dang big)</a:t>
+              <a:t>Primary Key- Unique for table</a:t>
             </a:r>
           </a:p>
           <a:p>
@@ -9417,30 +10622,20 @@
             </a:pPr>
             <a:r>
               <a:rPr lang="en"/>
-              <a:t>FLOAT (M,D) M = Display Length, D = number of decimals (default is 10,2)</a:t>
-            </a:r>
-          </a:p>
-          <a:p>
-            <a:pPr indent="-228600" lvl="0" marL="457200" rtl="0">
-              <a:spcBef>
-                <a:spcPts val="0"/>
-              </a:spcBef>
-            </a:pPr>
-            <a:r>
-              <a:rPr lang="en"/>
-              <a:t>DOUBLE (M,D)</a:t>
-            </a:r>
-          </a:p>
-          <a:p>
-            <a:pPr indent="-228600" lvl="0" marL="457200">
-              <a:spcBef>
-                <a:spcPts val="0"/>
-              </a:spcBef>
-            </a:pPr>
-            <a:r>
-              <a:rPr lang="en"/>
-              <a:t>DECIMAL (M,D)</a:t>
-            </a:r>
+              <a:t>Foreign Key- Connects two tables</a:t>
+            </a:r>
+          </a:p>
+          <a:p>
+            <a:pPr lvl="0" rtl="0">
+              <a:spcBef>
+                <a:spcPts val="0"/>
+              </a:spcBef>
+              <a:buNone/>
+            </a:pPr>
+            <a:r>
+              <a:t/>
+            </a:r>
+            <a:endParaRPr/>
           </a:p>
         </p:txBody>
       </p:sp>
@@ -9457,7 +10652,7 @@
   <p:cSld>
     <p:spTree>
       <p:nvGrpSpPr>
-        <p:cNvPr id="133" name="Shape 133"/>
+        <p:cNvPr id="132" name="Shape 132"/>
         <p:cNvGrpSpPr/>
         <p:nvPr/>
       </p:nvGrpSpPr>
@@ -9471,7 +10666,7 @@
       </p:grpSpPr>
       <p:sp>
         <p:nvSpPr>
-          <p:cNvPr id="134" name="Shape 134"/>
+          <p:cNvPr id="133" name="Shape 133"/>
           <p:cNvSpPr txBox="1"/>
           <p:nvPr>
             <p:ph type="title"/>
@@ -9500,14 +10695,14 @@
             </a:pPr>
             <a:r>
               <a:rPr lang="en"/>
-              <a:t>More Types! (keep your Caps lock on)</a:t>
+              <a:t>Uses</a:t>
             </a:r>
           </a:p>
         </p:txBody>
       </p:sp>
       <p:sp>
         <p:nvSpPr>
-          <p:cNvPr id="135" name="Shape 135"/>
+          <p:cNvPr id="134" name="Shape 134"/>
           <p:cNvSpPr txBox="1"/>
           <p:nvPr>
             <p:ph idx="1" type="body"/>
@@ -9535,7 +10730,7 @@
             </a:pPr>
             <a:r>
               <a:rPr lang="en"/>
-              <a:t>DATE</a:t>
+              <a:t>SQL can create databases and tables on a server and communicate with said server</a:t>
             </a:r>
           </a:p>
           <a:p>
@@ -9546,7 +10741,7 @@
             </a:pPr>
             <a:r>
               <a:rPr lang="en"/>
-              <a:t>DATETIME</a:t>
+              <a:t>Most widely implemented database language</a:t>
             </a:r>
           </a:p>
           <a:p>
@@ -9557,14 +10752,19 @@
             </a:pPr>
             <a:r>
               <a:rPr lang="en"/>
-              <a:t>TIMESTAMP</a:t>
-            </a:r>
-            <a:br>
-              <a:rPr lang="en"/>
-            </a:br>
-            <a:r>
-              <a:rPr lang="en"/>
-              <a:t>TIME</a:t>
+              <a:t>Literally anything a spreadsheet can do and more</a:t>
+            </a:r>
+          </a:p>
+          <a:p>
+            <a:pPr lvl="0" rtl="0">
+              <a:spcBef>
+                <a:spcPts val="0"/>
+              </a:spcBef>
+              <a:buNone/>
+            </a:pPr>
+            <a:r>
+              <a:rPr lang="en"/>
+              <a:t>SQL Skills are SUPER desirable!</a:t>
             </a:r>
           </a:p>
           <a:p>
@@ -9575,40 +10775,7 @@
             </a:pPr>
             <a:r>
               <a:rPr lang="en"/>
-              <a:t>YEAR(M)</a:t>
-            </a:r>
-          </a:p>
-          <a:p>
-            <a:pPr indent="-228600" lvl="0" marL="457200" rtl="0">
-              <a:spcBef>
-                <a:spcPts val="0"/>
-              </a:spcBef>
-            </a:pPr>
-            <a:r>
-              <a:rPr lang="en"/>
-              <a:t>CHAR(M)</a:t>
-            </a:r>
-          </a:p>
-          <a:p>
-            <a:pPr indent="-228600" lvl="0" marL="457200" rtl="0">
-              <a:spcBef>
-                <a:spcPts val="0"/>
-              </a:spcBef>
-            </a:pPr>
-            <a:r>
-              <a:rPr lang="en"/>
-              <a:t>VARCHAR(M)</a:t>
-            </a:r>
-          </a:p>
-          <a:p>
-            <a:pPr indent="-228600" lvl="0" marL="457200" rtl="0">
-              <a:spcBef>
-                <a:spcPts val="0"/>
-              </a:spcBef>
-            </a:pPr>
-            <a:r>
-              <a:rPr lang="en"/>
-              <a:t>BLOB OR TEXT (Binary large Objects) (TINY/MED/LONG sizes)</a:t>
+              <a:t>Backend Developer, Database admin, data analyst, and data scientists are all SQL heavy jobs</a:t>
             </a:r>
           </a:p>
           <a:p>
@@ -9619,7 +10786,7 @@
             </a:pPr>
             <a:r>
               <a:rPr lang="en"/>
-              <a:t>ENUM</a:t>
+              <a:t>50,705 jobs were advertised in 2015 that required SQL knowledge</a:t>
             </a:r>
           </a:p>
         </p:txBody>
@@ -9633,6 +10800,285 @@
 </file>
 
 <file path=ppt/theme/theme1.xml><?xml version="1.0" encoding="utf-8"?>
+<a:theme xmlns:a="http://schemas.openxmlformats.org/drawingml/2006/main" xmlns:r="http://schemas.openxmlformats.org/officeDocument/2006/relationships" name="geometric">
+  <a:themeElements>
+    <a:clrScheme name="Geometric">
+      <a:dk1>
+        <a:srgbClr val="2A3990"/>
+      </a:dk1>
+      <a:lt1>
+        <a:srgbClr val="FFFFFF"/>
+      </a:lt1>
+      <a:dk2>
+        <a:srgbClr val="434343"/>
+      </a:dk2>
+      <a:lt2>
+        <a:srgbClr val="999999"/>
+      </a:lt2>
+      <a:accent1>
+        <a:srgbClr val="212D74"/>
+      </a:accent1>
+      <a:accent2>
+        <a:srgbClr val="3949AB"/>
+      </a:accent2>
+      <a:accent3>
+        <a:srgbClr val="9C254D"/>
+      </a:accent3>
+      <a:accent4>
+        <a:srgbClr val="D23369"/>
+      </a:accent4>
+      <a:accent5>
+        <a:srgbClr val="F06292"/>
+      </a:accent5>
+      <a:accent6>
+        <a:srgbClr val="7890CD"/>
+      </a:accent6>
+      <a:hlink>
+        <a:srgbClr val="F06292"/>
+      </a:hlink>
+      <a:folHlink>
+        <a:srgbClr val="F06292"/>
+      </a:folHlink>
+    </a:clrScheme>
+    <a:fontScheme name="Office">
+      <a:majorFont>
+        <a:latin typeface="Arial"/>
+        <a:ea typeface=""/>
+        <a:cs typeface=""/>
+        <a:font script="Jpan" typeface="ＭＳ Ｐゴシック"/>
+        <a:font script="Hang" typeface="맑은 고딕"/>
+        <a:font script="Hans" typeface="宋体"/>
+        <a:font script="Hant" typeface="新細明體"/>
+        <a:font script="Arab" typeface="Times New Roman"/>
+        <a:font script="Hebr" typeface="Times New Roman"/>
+        <a:font script="Thai" typeface="Angsana New"/>
+        <a:font script="Ethi" typeface="Nyala"/>
+        <a:font script="Beng" typeface="Vrinda"/>
+        <a:font script="Gujr" typeface="Shruti"/>
+        <a:font script="Khmr" typeface="MoolBoran"/>
+        <a:font script="Knda" typeface="Tunga"/>
+        <a:font script="Guru" typeface="Raavi"/>
+        <a:font script="Cans" typeface="Euphemia"/>
+        <a:font script="Cher" typeface="Plantagenet Cherokee"/>
+        <a:font script="Yiii" typeface="Microsoft Yi Baiti"/>
+        <a:font script="Tibt" typeface="Microsoft Himalaya"/>
+        <a:font script="Thaa" typeface="MV Boli"/>
+        <a:font script="Deva" typeface="Mangal"/>
+        <a:font script="Telu" typeface="Gautami"/>
+        <a:font script="Taml" typeface="Latha"/>
+        <a:font script="Syrc" typeface="Estrangelo Edessa"/>
+        <a:font script="Orya" typeface="Kalinga"/>
+        <a:font script="Mlym" typeface="Kartika"/>
+        <a:font script="Laoo" typeface="DokChampa"/>
+        <a:font script="Sinh" typeface="Iskoola Pota"/>
+        <a:font script="Mong" typeface="Mongolian Baiti"/>
+        <a:font script="Viet" typeface="Times New Roman"/>
+        <a:font script="Uigh" typeface="Microsoft Uighur"/>
+        <a:font script="Geor" typeface="Sylfaen"/>
+      </a:majorFont>
+      <a:minorFont>
+        <a:latin typeface="Arial"/>
+        <a:ea typeface=""/>
+        <a:cs typeface=""/>
+        <a:font script="Jpan" typeface="ＭＳ Ｐゴシック"/>
+        <a:font script="Hang" typeface="맑은 고딕"/>
+        <a:font script="Hans" typeface="宋体"/>
+        <a:font script="Hant" typeface="新細明體"/>
+        <a:font script="Arab" typeface="Arial"/>
+        <a:font script="Hebr" typeface="Arial"/>
+        <a:font script="Thai" typeface="Cordia New"/>
+        <a:font script="Ethi" typeface="Nyala"/>
+        <a:font script="Beng" typeface="Vrinda"/>
+        <a:font script="Gujr" typeface="Shruti"/>
+        <a:font script="Khmr" typeface="DaunPenh"/>
+        <a:font script="Knda" typeface="Tunga"/>
+        <a:font script="Guru" typeface="Raavi"/>
+        <a:font script="Cans" typeface="Euphemia"/>
+        <a:font script="Cher" typeface="Plantagenet Cherokee"/>
+        <a:font script="Yiii" typeface="Microsoft Yi Baiti"/>
+        <a:font script="Tibt" typeface="Microsoft Himalaya"/>
+        <a:font script="Thaa" typeface="MV Boli"/>
+        <a:font script="Deva" typeface="Mangal"/>
+        <a:font script="Telu" typeface="Gautami"/>
+        <a:font script="Taml" typeface="Latha"/>
+        <a:font script="Syrc" typeface="Estrangelo Edessa"/>
+        <a:font script="Orya" typeface="Kalinga"/>
+        <a:font script="Mlym" typeface="Kartika"/>
+        <a:font script="Laoo" typeface="DokChampa"/>
+        <a:font script="Sinh" typeface="Iskoola Pota"/>
+        <a:font script="Mong" typeface="Mongolian Baiti"/>
+        <a:font script="Viet" typeface="Arial"/>
+        <a:font script="Uigh" typeface="Microsoft Uighur"/>
+        <a:font script="Geor" typeface="Sylfaen"/>
+      </a:minorFont>
+    </a:fontScheme>
+    <a:fmtScheme name="Office">
+      <a:fillStyleLst>
+        <a:solidFill>
+          <a:schemeClr val="phClr"/>
+        </a:solidFill>
+        <a:gradFill rotWithShape="1">
+          <a:gsLst>
+            <a:gs pos="0">
+              <a:schemeClr val="phClr">
+                <a:tint val="50000"/>
+                <a:satMod val="300000"/>
+              </a:schemeClr>
+            </a:gs>
+            <a:gs pos="35000">
+              <a:schemeClr val="phClr">
+                <a:tint val="37000"/>
+                <a:satMod val="300000"/>
+              </a:schemeClr>
+            </a:gs>
+            <a:gs pos="100000">
+              <a:schemeClr val="phClr">
+                <a:tint val="15000"/>
+                <a:satMod val="350000"/>
+              </a:schemeClr>
+            </a:gs>
+          </a:gsLst>
+          <a:lin ang="16200000" scaled="1"/>
+        </a:gradFill>
+        <a:gradFill rotWithShape="1">
+          <a:gsLst>
+            <a:gs pos="0">
+              <a:schemeClr val="phClr">
+                <a:tint val="100000"/>
+                <a:shade val="100000"/>
+                <a:satMod val="130000"/>
+              </a:schemeClr>
+            </a:gs>
+            <a:gs pos="100000">
+              <a:schemeClr val="phClr">
+                <a:tint val="50000"/>
+                <a:shade val="100000"/>
+                <a:satMod val="350000"/>
+              </a:schemeClr>
+            </a:gs>
+          </a:gsLst>
+          <a:lin ang="16200000" scaled="0"/>
+        </a:gradFill>
+      </a:fillStyleLst>
+      <a:lnStyleLst>
+        <a:ln w="9525" cap="flat" cmpd="sng" algn="ctr">
+          <a:solidFill>
+            <a:schemeClr val="phClr">
+              <a:shade val="95000"/>
+              <a:satMod val="105000"/>
+            </a:schemeClr>
+          </a:solidFill>
+          <a:prstDash val="solid"/>
+        </a:ln>
+        <a:ln w="25400" cap="flat" cmpd="sng" algn="ctr">
+          <a:solidFill>
+            <a:schemeClr val="phClr"/>
+          </a:solidFill>
+          <a:prstDash val="solid"/>
+        </a:ln>
+        <a:ln w="38100" cap="flat" cmpd="sng" algn="ctr">
+          <a:solidFill>
+            <a:schemeClr val="phClr"/>
+          </a:solidFill>
+          <a:prstDash val="solid"/>
+        </a:ln>
+      </a:lnStyleLst>
+      <a:effectStyleLst>
+        <a:effectStyle>
+          <a:effectLst>
+            <a:outerShdw blurRad="40000" dist="20000" dir="5400000" rotWithShape="0">
+              <a:srgbClr val="000000">
+                <a:alpha val="38000"/>
+              </a:srgbClr>
+            </a:outerShdw>
+          </a:effectLst>
+        </a:effectStyle>
+        <a:effectStyle>
+          <a:effectLst>
+            <a:outerShdw blurRad="40000" dist="23000" dir="5400000" rotWithShape="0">
+              <a:srgbClr val="000000">
+                <a:alpha val="35000"/>
+              </a:srgbClr>
+            </a:outerShdw>
+          </a:effectLst>
+        </a:effectStyle>
+        <a:effectStyle>
+          <a:effectLst>
+            <a:outerShdw blurRad="40000" dist="23000" dir="5400000" rotWithShape="0">
+              <a:srgbClr val="000000">
+                <a:alpha val="35000"/>
+              </a:srgbClr>
+            </a:outerShdw>
+          </a:effectLst>
+          <a:scene3d>
+            <a:camera prst="orthographicFront">
+              <a:rot lat="0" lon="0" rev="0"/>
+            </a:camera>
+            <a:lightRig rig="threePt" dir="t">
+              <a:rot lat="0" lon="0" rev="1200000"/>
+            </a:lightRig>
+          </a:scene3d>
+          <a:sp3d>
+            <a:bevelT w="63500" h="25400"/>
+          </a:sp3d>
+        </a:effectStyle>
+      </a:effectStyleLst>
+      <a:bgFillStyleLst>
+        <a:solidFill>
+          <a:schemeClr val="phClr"/>
+        </a:solidFill>
+        <a:gradFill rotWithShape="1">
+          <a:gsLst>
+            <a:gs pos="0">
+              <a:schemeClr val="phClr">
+                <a:tint val="40000"/>
+                <a:satMod val="350000"/>
+              </a:schemeClr>
+            </a:gs>
+            <a:gs pos="40000">
+              <a:schemeClr val="phClr">
+                <a:tint val="45000"/>
+                <a:shade val="99000"/>
+                <a:satMod val="350000"/>
+              </a:schemeClr>
+            </a:gs>
+            <a:gs pos="100000">
+              <a:schemeClr val="phClr">
+                <a:shade val="20000"/>
+                <a:satMod val="255000"/>
+              </a:schemeClr>
+            </a:gs>
+          </a:gsLst>
+          <a:path path="circle">
+            <a:fillToRect l="50000" t="-80000" r="50000" b="180000"/>
+          </a:path>
+        </a:gradFill>
+        <a:gradFill rotWithShape="1">
+          <a:gsLst>
+            <a:gs pos="0">
+              <a:schemeClr val="phClr">
+                <a:tint val="80000"/>
+                <a:satMod val="300000"/>
+              </a:schemeClr>
+            </a:gs>
+            <a:gs pos="100000">
+              <a:schemeClr val="phClr">
+                <a:shade val="30000"/>
+                <a:satMod val="200000"/>
+              </a:schemeClr>
+            </a:gs>
+          </a:gsLst>
+          <a:path path="circle">
+            <a:fillToRect l="50000" t="50000" r="50000" b="50000"/>
+          </a:path>
+        </a:gradFill>
+      </a:bgFillStyleLst>
+    </a:fmtScheme>
+  </a:themeElements>
+</a:theme>
+</file>
+
+<file path=ppt/theme/theme2.xml><?xml version="1.0" encoding="utf-8"?>
 <a:theme xmlns:a="http://schemas.openxmlformats.org/drawingml/2006/main" xmlns:r="http://schemas.openxmlformats.org/officeDocument/2006/relationships" name="Custom Theme">
   <a:themeElements>
     <a:clrScheme name="Default">
@@ -9909,283 +11355,4 @@
     </a:fmtScheme>
   </a:themeElements>
 </a:theme>
-</file>
-
-<file path=ppt/theme/theme2.xml><?xml version="1.0" encoding="utf-8"?>
-<a:theme xmlns:a="http://schemas.openxmlformats.org/drawingml/2006/main" xmlns:r="http://schemas.openxmlformats.org/officeDocument/2006/relationships" name="geometric">
-  <a:themeElements>
-    <a:clrScheme name="Geometric">
-      <a:dk1>
-        <a:srgbClr val="2A3990"/>
-      </a:dk1>
-      <a:lt1>
-        <a:srgbClr val="FFFFFF"/>
-      </a:lt1>
-      <a:dk2>
-        <a:srgbClr val="434343"/>
-      </a:dk2>
-      <a:lt2>
-        <a:srgbClr val="999999"/>
-      </a:lt2>
-      <a:accent1>
-        <a:srgbClr val="212D74"/>
-      </a:accent1>
-      <a:accent2>
-        <a:srgbClr val="3949AB"/>
-      </a:accent2>
-      <a:accent3>
-        <a:srgbClr val="9C254D"/>
-      </a:accent3>
-      <a:accent4>
-        <a:srgbClr val="D23369"/>
-      </a:accent4>
-      <a:accent5>
-        <a:srgbClr val="F06292"/>
-      </a:accent5>
-      <a:accent6>
-        <a:srgbClr val="7890CD"/>
-      </a:accent6>
-      <a:hlink>
-        <a:srgbClr val="F06292"/>
-      </a:hlink>
-      <a:folHlink>
-        <a:srgbClr val="F06292"/>
-      </a:folHlink>
-    </a:clrScheme>
-    <a:fontScheme name="Office">
-      <a:majorFont>
-        <a:latin typeface="Arial"/>
-        <a:ea typeface=""/>
-        <a:cs typeface=""/>
-        <a:font script="Jpan" typeface="ＭＳ Ｐゴシック"/>
-        <a:font script="Hang" typeface="맑은 고딕"/>
-        <a:font script="Hans" typeface="宋体"/>
-        <a:font script="Hant" typeface="新細明體"/>
-        <a:font script="Arab" typeface="Times New Roman"/>
-        <a:font script="Hebr" typeface="Times New Roman"/>
-        <a:font script="Thai" typeface="Angsana New"/>
-        <a:font script="Ethi" typeface="Nyala"/>
-        <a:font script="Beng" typeface="Vrinda"/>
-        <a:font script="Gujr" typeface="Shruti"/>
-        <a:font script="Khmr" typeface="MoolBoran"/>
-        <a:font script="Knda" typeface="Tunga"/>
-        <a:font script="Guru" typeface="Raavi"/>
-        <a:font script="Cans" typeface="Euphemia"/>
-        <a:font script="Cher" typeface="Plantagenet Cherokee"/>
-        <a:font script="Yiii" typeface="Microsoft Yi Baiti"/>
-        <a:font script="Tibt" typeface="Microsoft Himalaya"/>
-        <a:font script="Thaa" typeface="MV Boli"/>
-        <a:font script="Deva" typeface="Mangal"/>
-        <a:font script="Telu" typeface="Gautami"/>
-        <a:font script="Taml" typeface="Latha"/>
-        <a:font script="Syrc" typeface="Estrangelo Edessa"/>
-        <a:font script="Orya" typeface="Kalinga"/>
-        <a:font script="Mlym" typeface="Kartika"/>
-        <a:font script="Laoo" typeface="DokChampa"/>
-        <a:font script="Sinh" typeface="Iskoola Pota"/>
-        <a:font script="Mong" typeface="Mongolian Baiti"/>
-        <a:font script="Viet" typeface="Times New Roman"/>
-        <a:font script="Uigh" typeface="Microsoft Uighur"/>
-        <a:font script="Geor" typeface="Sylfaen"/>
-      </a:majorFont>
-      <a:minorFont>
-        <a:latin typeface="Arial"/>
-        <a:ea typeface=""/>
-        <a:cs typeface=""/>
-        <a:font script="Jpan" typeface="ＭＳ Ｐゴシック"/>
-        <a:font script="Hang" typeface="맑은 고딕"/>
-        <a:font script="Hans" typeface="宋体"/>
-        <a:font script="Hant" typeface="新細明體"/>
-        <a:font script="Arab" typeface="Arial"/>
-        <a:font script="Hebr" typeface="Arial"/>
-        <a:font script="Thai" typeface="Cordia New"/>
-        <a:font script="Ethi" typeface="Nyala"/>
-        <a:font script="Beng" typeface="Vrinda"/>
-        <a:font script="Gujr" typeface="Shruti"/>
-        <a:font script="Khmr" typeface="DaunPenh"/>
-        <a:font script="Knda" typeface="Tunga"/>
-        <a:font script="Guru" typeface="Raavi"/>
-        <a:font script="Cans" typeface="Euphemia"/>
-        <a:font script="Cher" typeface="Plantagenet Cherokee"/>
-        <a:font script="Yiii" typeface="Microsoft Yi Baiti"/>
-        <a:font script="Tibt" typeface="Microsoft Himalaya"/>
-        <a:font script="Thaa" typeface="MV Boli"/>
-        <a:font script="Deva" typeface="Mangal"/>
-        <a:font script="Telu" typeface="Gautami"/>
-        <a:font script="Taml" typeface="Latha"/>
-        <a:font script="Syrc" typeface="Estrangelo Edessa"/>
-        <a:font script="Orya" typeface="Kalinga"/>
-        <a:font script="Mlym" typeface="Kartika"/>
-        <a:font script="Laoo" typeface="DokChampa"/>
-        <a:font script="Sinh" typeface="Iskoola Pota"/>
-        <a:font script="Mong" typeface="Mongolian Baiti"/>
-        <a:font script="Viet" typeface="Arial"/>
-        <a:font script="Uigh" typeface="Microsoft Uighur"/>
-        <a:font script="Geor" typeface="Sylfaen"/>
-      </a:minorFont>
-    </a:fontScheme>
-    <a:fmtScheme name="Office">
-      <a:fillStyleLst>
-        <a:solidFill>
-          <a:schemeClr val="phClr"/>
-        </a:solidFill>
-        <a:gradFill rotWithShape="1">
-          <a:gsLst>
-            <a:gs pos="0">
-              <a:schemeClr val="phClr">
-                <a:tint val="50000"/>
-                <a:satMod val="300000"/>
-              </a:schemeClr>
-            </a:gs>
-            <a:gs pos="35000">
-              <a:schemeClr val="phClr">
-                <a:tint val="37000"/>
-                <a:satMod val="300000"/>
-              </a:schemeClr>
-            </a:gs>
-            <a:gs pos="100000">
-              <a:schemeClr val="phClr">
-                <a:tint val="15000"/>
-                <a:satMod val="350000"/>
-              </a:schemeClr>
-            </a:gs>
-          </a:gsLst>
-          <a:lin ang="16200000" scaled="1"/>
-        </a:gradFill>
-        <a:gradFill rotWithShape="1">
-          <a:gsLst>
-            <a:gs pos="0">
-              <a:schemeClr val="phClr">
-                <a:tint val="100000"/>
-                <a:shade val="100000"/>
-                <a:satMod val="130000"/>
-              </a:schemeClr>
-            </a:gs>
-            <a:gs pos="100000">
-              <a:schemeClr val="phClr">
-                <a:tint val="50000"/>
-                <a:shade val="100000"/>
-                <a:satMod val="350000"/>
-              </a:schemeClr>
-            </a:gs>
-          </a:gsLst>
-          <a:lin ang="16200000" scaled="0"/>
-        </a:gradFill>
-      </a:fillStyleLst>
-      <a:lnStyleLst>
-        <a:ln w="9525" cap="flat" cmpd="sng" algn="ctr">
-          <a:solidFill>
-            <a:schemeClr val="phClr">
-              <a:shade val="95000"/>
-              <a:satMod val="105000"/>
-            </a:schemeClr>
-          </a:solidFill>
-          <a:prstDash val="solid"/>
-        </a:ln>
-        <a:ln w="25400" cap="flat" cmpd="sng" algn="ctr">
-          <a:solidFill>
-            <a:schemeClr val="phClr"/>
-          </a:solidFill>
-          <a:prstDash val="solid"/>
-        </a:ln>
-        <a:ln w="38100" cap="flat" cmpd="sng" algn="ctr">
-          <a:solidFill>
-            <a:schemeClr val="phClr"/>
-          </a:solidFill>
-          <a:prstDash val="solid"/>
-        </a:ln>
-      </a:lnStyleLst>
-      <a:effectStyleLst>
-        <a:effectStyle>
-          <a:effectLst>
-            <a:outerShdw blurRad="40000" dist="20000" dir="5400000" rotWithShape="0">
-              <a:srgbClr val="000000">
-                <a:alpha val="38000"/>
-              </a:srgbClr>
-            </a:outerShdw>
-          </a:effectLst>
-        </a:effectStyle>
-        <a:effectStyle>
-          <a:effectLst>
-            <a:outerShdw blurRad="40000" dist="23000" dir="5400000" rotWithShape="0">
-              <a:srgbClr val="000000">
-                <a:alpha val="35000"/>
-              </a:srgbClr>
-            </a:outerShdw>
-          </a:effectLst>
-        </a:effectStyle>
-        <a:effectStyle>
-          <a:effectLst>
-            <a:outerShdw blurRad="40000" dist="23000" dir="5400000" rotWithShape="0">
-              <a:srgbClr val="000000">
-                <a:alpha val="35000"/>
-              </a:srgbClr>
-            </a:outerShdw>
-          </a:effectLst>
-          <a:scene3d>
-            <a:camera prst="orthographicFront">
-              <a:rot lat="0" lon="0" rev="0"/>
-            </a:camera>
-            <a:lightRig rig="threePt" dir="t">
-              <a:rot lat="0" lon="0" rev="1200000"/>
-            </a:lightRig>
-          </a:scene3d>
-          <a:sp3d>
-            <a:bevelT w="63500" h="25400"/>
-          </a:sp3d>
-        </a:effectStyle>
-      </a:effectStyleLst>
-      <a:bgFillStyleLst>
-        <a:solidFill>
-          <a:schemeClr val="phClr"/>
-        </a:solidFill>
-        <a:gradFill rotWithShape="1">
-          <a:gsLst>
-            <a:gs pos="0">
-              <a:schemeClr val="phClr">
-                <a:tint val="40000"/>
-                <a:satMod val="350000"/>
-              </a:schemeClr>
-            </a:gs>
-            <a:gs pos="40000">
-              <a:schemeClr val="phClr">
-                <a:tint val="45000"/>
-                <a:shade val="99000"/>
-                <a:satMod val="350000"/>
-              </a:schemeClr>
-            </a:gs>
-            <a:gs pos="100000">
-              <a:schemeClr val="phClr">
-                <a:shade val="20000"/>
-                <a:satMod val="255000"/>
-              </a:schemeClr>
-            </a:gs>
-          </a:gsLst>
-          <a:path path="circle">
-            <a:fillToRect l="50000" t="-80000" r="50000" b="180000"/>
-          </a:path>
-        </a:gradFill>
-        <a:gradFill rotWithShape="1">
-          <a:gsLst>
-            <a:gs pos="0">
-              <a:schemeClr val="phClr">
-                <a:tint val="80000"/>
-                <a:satMod val="300000"/>
-              </a:schemeClr>
-            </a:gs>
-            <a:gs pos="100000">
-              <a:schemeClr val="phClr">
-                <a:shade val="30000"/>
-                <a:satMod val="200000"/>
-              </a:schemeClr>
-            </a:gs>
-          </a:gsLst>
-          <a:path path="circle">
-            <a:fillToRect l="50000" t="50000" r="50000" b="50000"/>
-          </a:path>
-        </a:gradFill>
-      </a:bgFillStyleLst>
-    </a:fmtScheme>
-  </a:themeElements>
-</a:theme>
 </file>